--- a/slides/On-Campus/06_01_ArrayList.pptx
+++ b/slides/On-Campus/06_01_ArrayList.pptx
@@ -149,1042 +149,48 @@
 <pc:chgInfo xmlns:a="http://schemas.openxmlformats.org/drawingml/2006/main" xmlns:r="http://schemas.openxmlformats.org/officeDocument/2006/relationships" xmlns:ac="http://schemas.microsoft.com/office/drawing/2013/main/command" xmlns:pc="http://schemas.microsoft.com/office/powerpoint/2013/main/command">
   <pc:docChgLst>
     <pc:chgData name="Moraes,Marcia" userId="c9c67e8a-58e2-4733-9a1c-5d44fec4775b" providerId="ADAL" clId="{E81AFBF9-981A-48C7-94C8-3FDBC95BE095}"/>
-    <pc:docChg chg="undo custSel addSld delSld modSld">
-      <pc:chgData name="Moraes,Marcia" userId="c9c67e8a-58e2-4733-9a1c-5d44fec4775b" providerId="ADAL" clId="{E81AFBF9-981A-48C7-94C8-3FDBC95BE095}" dt="2023-02-19T18:50:08.051" v="751" actId="2696"/>
+  </pc:docChgLst>
+  <pc:docChgLst>
+    <pc:chgData name="Marcia Moraes" userId="c9c67e8a-58e2-4733-9a1c-5d44fec4775b" providerId="ADAL" clId="{4885118A-F795-4C30-92AD-AD6E1D9AA740}"/>
+  </pc:docChgLst>
+  <pc:docChgLst>
+    <pc:chgData name="Marcia Moraes" userId="c9c67e8a-58e2-4733-9a1c-5d44fec4775b" providerId="ADAL" clId="{8E46630C-54A6-418B-9064-CA4028C49575}"/>
+    <pc:docChg chg="custSel modSld">
+      <pc:chgData name="Marcia Moraes" userId="c9c67e8a-58e2-4733-9a1c-5d44fec4775b" providerId="ADAL" clId="{8E46630C-54A6-418B-9064-CA4028C49575}" dt="2023-09-14T14:00:27.200" v="95" actId="1076"/>
       <pc:docMkLst>
         <pc:docMk/>
       </pc:docMkLst>
-      <pc:sldChg chg="addSp delSp modSp">
-        <pc:chgData name="Moraes,Marcia" userId="c9c67e8a-58e2-4733-9a1c-5d44fec4775b" providerId="ADAL" clId="{E81AFBF9-981A-48C7-94C8-3FDBC95BE095}" dt="2023-02-19T18:18:29.965" v="379" actId="20577"/>
-        <pc:sldMkLst>
-          <pc:docMk/>
-          <pc:sldMk cId="1252814333" sldId="259"/>
-        </pc:sldMkLst>
-        <pc:spChg chg="mod">
-          <ac:chgData name="Moraes,Marcia" userId="c9c67e8a-58e2-4733-9a1c-5d44fec4775b" providerId="ADAL" clId="{E81AFBF9-981A-48C7-94C8-3FDBC95BE095}" dt="2023-02-19T18:13:40.966" v="146" actId="1076"/>
-          <ac:spMkLst>
-            <pc:docMk/>
-            <pc:sldMk cId="1252814333" sldId="259"/>
-            <ac:spMk id="4" creationId="{20321723-CD42-EB40-8190-DC2546004402}"/>
-          </ac:spMkLst>
-        </pc:spChg>
-        <pc:spChg chg="add mod">
-          <ac:chgData name="Moraes,Marcia" userId="c9c67e8a-58e2-4733-9a1c-5d44fec4775b" providerId="ADAL" clId="{E81AFBF9-981A-48C7-94C8-3FDBC95BE095}" dt="2023-02-19T18:18:29.965" v="379" actId="20577"/>
-          <ac:spMkLst>
-            <pc:docMk/>
-            <pc:sldMk cId="1252814333" sldId="259"/>
-            <ac:spMk id="6" creationId="{917A4A1B-BAD8-491C-AC85-3EFF260617EC}"/>
-          </ac:spMkLst>
-        </pc:spChg>
-        <pc:picChg chg="add del">
-          <ac:chgData name="Moraes,Marcia" userId="c9c67e8a-58e2-4733-9a1c-5d44fec4775b" providerId="ADAL" clId="{E81AFBF9-981A-48C7-94C8-3FDBC95BE095}" dt="2023-02-19T18:13:56.811" v="148"/>
-          <ac:picMkLst>
-            <pc:docMk/>
-            <pc:sldMk cId="1252814333" sldId="259"/>
-            <ac:picMk id="5" creationId="{4B86CCDA-5726-4F0E-BE62-6104F255A5BA}"/>
-          </ac:picMkLst>
-        </pc:picChg>
-      </pc:sldChg>
-      <pc:sldChg chg="modSp">
-        <pc:chgData name="Moraes,Marcia" userId="c9c67e8a-58e2-4733-9a1c-5d44fec4775b" providerId="ADAL" clId="{E81AFBF9-981A-48C7-94C8-3FDBC95BE095}" dt="2023-02-19T18:02:22.732" v="1" actId="6549"/>
-        <pc:sldMkLst>
-          <pc:docMk/>
-          <pc:sldMk cId="1841629339" sldId="272"/>
-        </pc:sldMkLst>
-        <pc:spChg chg="mod">
-          <ac:chgData name="Moraes,Marcia" userId="c9c67e8a-58e2-4733-9a1c-5d44fec4775b" providerId="ADAL" clId="{E81AFBF9-981A-48C7-94C8-3FDBC95BE095}" dt="2023-02-19T18:02:22.732" v="1" actId="6549"/>
-          <ac:spMkLst>
-            <pc:docMk/>
-            <pc:sldMk cId="1841629339" sldId="272"/>
-            <ac:spMk id="3" creationId="{A59CF7C4-D4AF-4146-A617-EC877BA0F9DC}"/>
-          </ac:spMkLst>
-        </pc:spChg>
-      </pc:sldChg>
-      <pc:sldChg chg="addSp delSp modSp add delAnim modAnim">
-        <pc:chgData name="Moraes,Marcia" userId="c9c67e8a-58e2-4733-9a1c-5d44fec4775b" providerId="ADAL" clId="{E81AFBF9-981A-48C7-94C8-3FDBC95BE095}" dt="2023-02-19T18:10:49.024" v="145" actId="478"/>
-        <pc:sldMkLst>
-          <pc:docMk/>
-          <pc:sldMk cId="399430948" sldId="273"/>
-        </pc:sldMkLst>
-        <pc:spChg chg="mod">
-          <ac:chgData name="Moraes,Marcia" userId="c9c67e8a-58e2-4733-9a1c-5d44fec4775b" providerId="ADAL" clId="{E81AFBF9-981A-48C7-94C8-3FDBC95BE095}" dt="2023-02-19T18:03:29.325" v="12" actId="255"/>
-          <ac:spMkLst>
-            <pc:docMk/>
-            <pc:sldMk cId="399430948" sldId="273"/>
-            <ac:spMk id="4" creationId="{D09A04A4-03F4-3941-91D4-9C7EF11440FC}"/>
-          </ac:spMkLst>
-        </pc:spChg>
-        <pc:spChg chg="del mod">
-          <ac:chgData name="Moraes,Marcia" userId="c9c67e8a-58e2-4733-9a1c-5d44fec4775b" providerId="ADAL" clId="{E81AFBF9-981A-48C7-94C8-3FDBC95BE095}" dt="2023-02-19T18:02:58.683" v="5" actId="478"/>
-          <ac:spMkLst>
-            <pc:docMk/>
-            <pc:sldMk cId="399430948" sldId="273"/>
-            <ac:spMk id="5" creationId="{0718AF92-0E06-8D40-8CA7-2E00C9755353}"/>
-          </ac:spMkLst>
-        </pc:spChg>
-        <pc:spChg chg="del mod">
-          <ac:chgData name="Moraes,Marcia" userId="c9c67e8a-58e2-4733-9a1c-5d44fec4775b" providerId="ADAL" clId="{E81AFBF9-981A-48C7-94C8-3FDBC95BE095}" dt="2023-02-19T18:02:58.683" v="5" actId="478"/>
-          <ac:spMkLst>
-            <pc:docMk/>
-            <pc:sldMk cId="399430948" sldId="273"/>
-            <ac:spMk id="14" creationId="{50750681-4E17-ED43-B7D4-7E72D6398295}"/>
-          </ac:spMkLst>
-        </pc:spChg>
-        <pc:spChg chg="del mod">
-          <ac:chgData name="Moraes,Marcia" userId="c9c67e8a-58e2-4733-9a1c-5d44fec4775b" providerId="ADAL" clId="{E81AFBF9-981A-48C7-94C8-3FDBC95BE095}" dt="2023-02-19T18:02:58.683" v="5" actId="478"/>
-          <ac:spMkLst>
-            <pc:docMk/>
-            <pc:sldMk cId="399430948" sldId="273"/>
-            <ac:spMk id="18" creationId="{A63151C9-1E97-EA4C-B443-9F8B49D99CF3}"/>
-          </ac:spMkLst>
-        </pc:spChg>
-        <pc:spChg chg="del mod">
-          <ac:chgData name="Moraes,Marcia" userId="c9c67e8a-58e2-4733-9a1c-5d44fec4775b" providerId="ADAL" clId="{E81AFBF9-981A-48C7-94C8-3FDBC95BE095}" dt="2023-02-19T18:02:58.683" v="5" actId="478"/>
-          <ac:spMkLst>
-            <pc:docMk/>
-            <pc:sldMk cId="399430948" sldId="273"/>
-            <ac:spMk id="19" creationId="{65B79D3C-8A4F-3F4A-9C34-96C9A0A9B540}"/>
-          </ac:spMkLst>
-        </pc:spChg>
-        <pc:spChg chg="del mod">
-          <ac:chgData name="Moraes,Marcia" userId="c9c67e8a-58e2-4733-9a1c-5d44fec4775b" providerId="ADAL" clId="{E81AFBF9-981A-48C7-94C8-3FDBC95BE095}" dt="2023-02-19T18:02:58.683" v="5" actId="478"/>
-          <ac:spMkLst>
-            <pc:docMk/>
-            <pc:sldMk cId="399430948" sldId="273"/>
-            <ac:spMk id="20" creationId="{AF06B11E-75DE-AA4C-B580-87A8F85A1032}"/>
-          </ac:spMkLst>
-        </pc:spChg>
-        <pc:spChg chg="del">
-          <ac:chgData name="Moraes,Marcia" userId="c9c67e8a-58e2-4733-9a1c-5d44fec4775b" providerId="ADAL" clId="{E81AFBF9-981A-48C7-94C8-3FDBC95BE095}" dt="2023-02-19T18:02:58.683" v="5" actId="478"/>
-          <ac:spMkLst>
-            <pc:docMk/>
-            <pc:sldMk cId="399430948" sldId="273"/>
-            <ac:spMk id="23" creationId="{0728ECDA-828A-DC45-847D-6128C9F517BD}"/>
-          </ac:spMkLst>
-        </pc:spChg>
-        <pc:spChg chg="add mod">
-          <ac:chgData name="Moraes,Marcia" userId="c9c67e8a-58e2-4733-9a1c-5d44fec4775b" providerId="ADAL" clId="{E81AFBF9-981A-48C7-94C8-3FDBC95BE095}" dt="2023-02-19T18:04:17.964" v="18" actId="255"/>
-          <ac:spMkLst>
-            <pc:docMk/>
-            <pc:sldMk cId="399430948" sldId="273"/>
-            <ac:spMk id="24" creationId="{928504C4-C3C5-41E6-A30E-28824FDCC44D}"/>
-          </ac:spMkLst>
-        </pc:spChg>
-        <pc:spChg chg="del">
-          <ac:chgData name="Moraes,Marcia" userId="c9c67e8a-58e2-4733-9a1c-5d44fec4775b" providerId="ADAL" clId="{E81AFBF9-981A-48C7-94C8-3FDBC95BE095}" dt="2023-02-19T18:02:58.683" v="5" actId="478"/>
-          <ac:spMkLst>
-            <pc:docMk/>
-            <pc:sldMk cId="399430948" sldId="273"/>
-            <ac:spMk id="26" creationId="{C9D5293E-57B1-E045-A61F-FB1A7ED83243}"/>
-          </ac:spMkLst>
-        </pc:spChg>
-        <pc:spChg chg="del">
-          <ac:chgData name="Moraes,Marcia" userId="c9c67e8a-58e2-4733-9a1c-5d44fec4775b" providerId="ADAL" clId="{E81AFBF9-981A-48C7-94C8-3FDBC95BE095}" dt="2023-02-19T18:02:58.683" v="5" actId="478"/>
-          <ac:spMkLst>
-            <pc:docMk/>
-            <pc:sldMk cId="399430948" sldId="273"/>
-            <ac:spMk id="29" creationId="{5EFA1471-51D3-3341-8C44-90AC5D145C61}"/>
-          </ac:spMkLst>
-        </pc:spChg>
-        <pc:spChg chg="add">
-          <ac:chgData name="Moraes,Marcia" userId="c9c67e8a-58e2-4733-9a1c-5d44fec4775b" providerId="ADAL" clId="{E81AFBF9-981A-48C7-94C8-3FDBC95BE095}" dt="2023-02-19T18:03:40.430" v="13"/>
-          <ac:spMkLst>
-            <pc:docMk/>
-            <pc:sldMk cId="399430948" sldId="273"/>
-            <ac:spMk id="30" creationId="{689AA317-3456-4C69-889E-1E1072103A63}"/>
-          </ac:spMkLst>
-        </pc:spChg>
-        <pc:graphicFrameChg chg="add mod modGraphic">
-          <ac:chgData name="Moraes,Marcia" userId="c9c67e8a-58e2-4733-9a1c-5d44fec4775b" providerId="ADAL" clId="{E81AFBF9-981A-48C7-94C8-3FDBC95BE095}" dt="2023-02-19T18:06:53.757" v="103" actId="14734"/>
-          <ac:graphicFrameMkLst>
-            <pc:docMk/>
-            <pc:sldMk cId="399430948" sldId="273"/>
-            <ac:graphicFrameMk id="3" creationId="{F703A9D5-619C-4CD9-BFF1-8E12590E7C4F}"/>
-          </ac:graphicFrameMkLst>
-        </pc:graphicFrameChg>
-        <pc:graphicFrameChg chg="add mod modGraphic">
-          <ac:chgData name="Moraes,Marcia" userId="c9c67e8a-58e2-4733-9a1c-5d44fec4775b" providerId="ADAL" clId="{E81AFBF9-981A-48C7-94C8-3FDBC95BE095}" dt="2023-02-19T18:04:14.273" v="17" actId="255"/>
-          <ac:graphicFrameMkLst>
-            <pc:docMk/>
-            <pc:sldMk cId="399430948" sldId="273"/>
-            <ac:graphicFrameMk id="27" creationId="{B46598BE-63F7-4914-88F6-1D2A82188FB1}"/>
-          </ac:graphicFrameMkLst>
-        </pc:graphicFrameChg>
-        <pc:graphicFrameChg chg="add modGraphic">
-          <ac:chgData name="Moraes,Marcia" userId="c9c67e8a-58e2-4733-9a1c-5d44fec4775b" providerId="ADAL" clId="{E81AFBF9-981A-48C7-94C8-3FDBC95BE095}" dt="2023-02-19T18:04:54.071" v="60" actId="20577"/>
-          <ac:graphicFrameMkLst>
-            <pc:docMk/>
-            <pc:sldMk cId="399430948" sldId="273"/>
-            <ac:graphicFrameMk id="32" creationId="{D4B5A077-FE7B-4805-A723-1D4682600D37}"/>
-          </ac:graphicFrameMkLst>
-        </pc:graphicFrameChg>
-        <pc:graphicFrameChg chg="add mod modGraphic">
-          <ac:chgData name="Moraes,Marcia" userId="c9c67e8a-58e2-4733-9a1c-5d44fec4775b" providerId="ADAL" clId="{E81AFBF9-981A-48C7-94C8-3FDBC95BE095}" dt="2023-02-19T18:07:50.190" v="128" actId="1076"/>
-          <ac:graphicFrameMkLst>
-            <pc:docMk/>
-            <pc:sldMk cId="399430948" sldId="273"/>
-            <ac:graphicFrameMk id="34" creationId="{535E2F24-4BCF-4177-AC6A-BB7A9A1FAD8B}"/>
-          </ac:graphicFrameMkLst>
-        </pc:graphicFrameChg>
-        <pc:graphicFrameChg chg="add mod modGraphic">
-          <ac:chgData name="Moraes,Marcia" userId="c9c67e8a-58e2-4733-9a1c-5d44fec4775b" providerId="ADAL" clId="{E81AFBF9-981A-48C7-94C8-3FDBC95BE095}" dt="2023-02-19T18:07:35.108" v="127" actId="1076"/>
-          <ac:graphicFrameMkLst>
-            <pc:docMk/>
-            <pc:sldMk cId="399430948" sldId="273"/>
-            <ac:graphicFrameMk id="35" creationId="{54F74513-48D3-4419-B592-3C9FE900A5C0}"/>
-          </ac:graphicFrameMkLst>
-        </pc:graphicFrameChg>
-        <pc:cxnChg chg="del mod">
-          <ac:chgData name="Moraes,Marcia" userId="c9c67e8a-58e2-4733-9a1c-5d44fec4775b" providerId="ADAL" clId="{E81AFBF9-981A-48C7-94C8-3FDBC95BE095}" dt="2023-02-19T18:02:58.683" v="5" actId="478"/>
-          <ac:cxnSpMkLst>
-            <pc:docMk/>
-            <pc:sldMk cId="399430948" sldId="273"/>
-            <ac:cxnSpMk id="7" creationId="{863D32AB-9A76-5D44-8064-B653E00B1EF3}"/>
-          </ac:cxnSpMkLst>
-        </pc:cxnChg>
-        <pc:cxnChg chg="add del mod">
-          <ac:chgData name="Moraes,Marcia" userId="c9c67e8a-58e2-4733-9a1c-5d44fec4775b" providerId="ADAL" clId="{E81AFBF9-981A-48C7-94C8-3FDBC95BE095}" dt="2023-02-19T18:10:47.104" v="143" actId="478"/>
-          <ac:cxnSpMkLst>
-            <pc:docMk/>
-            <pc:sldMk cId="399430948" sldId="273"/>
-            <ac:cxnSpMk id="8" creationId="{8550B5C6-F684-49CC-B564-C897DF77B100}"/>
-          </ac:cxnSpMkLst>
-        </pc:cxnChg>
-        <pc:cxnChg chg="add del mod">
-          <ac:chgData name="Moraes,Marcia" userId="c9c67e8a-58e2-4733-9a1c-5d44fec4775b" providerId="ADAL" clId="{E81AFBF9-981A-48C7-94C8-3FDBC95BE095}" dt="2023-02-19T18:10:48.064" v="144" actId="478"/>
-          <ac:cxnSpMkLst>
-            <pc:docMk/>
-            <pc:sldMk cId="399430948" sldId="273"/>
-            <ac:cxnSpMk id="10" creationId="{735D5224-4EFC-4E72-B49F-B0C1F11BE219}"/>
-          </ac:cxnSpMkLst>
-        </pc:cxnChg>
-        <pc:cxnChg chg="add del mod">
-          <ac:chgData name="Moraes,Marcia" userId="c9c67e8a-58e2-4733-9a1c-5d44fec4775b" providerId="ADAL" clId="{E81AFBF9-981A-48C7-94C8-3FDBC95BE095}" dt="2023-02-19T18:10:49.024" v="145" actId="478"/>
-          <ac:cxnSpMkLst>
-            <pc:docMk/>
-            <pc:sldMk cId="399430948" sldId="273"/>
-            <ac:cxnSpMk id="12" creationId="{F6E42413-F255-4CB5-8996-ECEB253A610A}"/>
-          </ac:cxnSpMkLst>
-        </pc:cxnChg>
-        <pc:cxnChg chg="del">
-          <ac:chgData name="Moraes,Marcia" userId="c9c67e8a-58e2-4733-9a1c-5d44fec4775b" providerId="ADAL" clId="{E81AFBF9-981A-48C7-94C8-3FDBC95BE095}" dt="2023-02-19T18:03:01.763" v="6" actId="478"/>
-          <ac:cxnSpMkLst>
-            <pc:docMk/>
-            <pc:sldMk cId="399430948" sldId="273"/>
-            <ac:cxnSpMk id="13" creationId="{24B64E67-31F1-224E-9C36-D45B4502636E}"/>
-          </ac:cxnSpMkLst>
-        </pc:cxnChg>
-        <pc:cxnChg chg="del mod">
-          <ac:chgData name="Moraes,Marcia" userId="c9c67e8a-58e2-4733-9a1c-5d44fec4775b" providerId="ADAL" clId="{E81AFBF9-981A-48C7-94C8-3FDBC95BE095}" dt="2023-02-19T18:02:58.683" v="5" actId="478"/>
-          <ac:cxnSpMkLst>
-            <pc:docMk/>
-            <pc:sldMk cId="399430948" sldId="273"/>
-            <ac:cxnSpMk id="16" creationId="{BA4D9938-72F6-414B-8985-95ED80C7C2F3}"/>
-          </ac:cxnSpMkLst>
-        </pc:cxnChg>
-        <pc:cxnChg chg="add del mod">
-          <ac:chgData name="Moraes,Marcia" userId="c9c67e8a-58e2-4733-9a1c-5d44fec4775b" providerId="ADAL" clId="{E81AFBF9-981A-48C7-94C8-3FDBC95BE095}" dt="2023-02-19T18:10:34.389" v="142" actId="11529"/>
-          <ac:cxnSpMkLst>
-            <pc:docMk/>
-            <pc:sldMk cId="399430948" sldId="273"/>
-            <ac:cxnSpMk id="17" creationId="{0CA1A65D-C0B3-49E1-8827-A4276245296B}"/>
-          </ac:cxnSpMkLst>
-        </pc:cxnChg>
-        <pc:cxnChg chg="del mod">
-          <ac:chgData name="Moraes,Marcia" userId="c9c67e8a-58e2-4733-9a1c-5d44fec4775b" providerId="ADAL" clId="{E81AFBF9-981A-48C7-94C8-3FDBC95BE095}" dt="2023-02-19T18:02:58.683" v="5" actId="478"/>
-          <ac:cxnSpMkLst>
-            <pc:docMk/>
-            <pc:sldMk cId="399430948" sldId="273"/>
-            <ac:cxnSpMk id="22" creationId="{D8EE1417-D6B4-3042-8490-C63023508FB8}"/>
-          </ac:cxnSpMkLst>
-        </pc:cxnChg>
-        <pc:cxnChg chg="del mod">
-          <ac:chgData name="Moraes,Marcia" userId="c9c67e8a-58e2-4733-9a1c-5d44fec4775b" providerId="ADAL" clId="{E81AFBF9-981A-48C7-94C8-3FDBC95BE095}" dt="2023-02-19T18:02:58.683" v="5" actId="478"/>
-          <ac:cxnSpMkLst>
-            <pc:docMk/>
-            <pc:sldMk cId="399430948" sldId="273"/>
-            <ac:cxnSpMk id="25" creationId="{E5E984DA-E44F-E346-8C59-40DEC97F31E5}"/>
-          </ac:cxnSpMkLst>
-        </pc:cxnChg>
-        <pc:cxnChg chg="del mod">
-          <ac:chgData name="Moraes,Marcia" userId="c9c67e8a-58e2-4733-9a1c-5d44fec4775b" providerId="ADAL" clId="{E81AFBF9-981A-48C7-94C8-3FDBC95BE095}" dt="2023-02-19T18:02:58.683" v="5" actId="478"/>
-          <ac:cxnSpMkLst>
-            <pc:docMk/>
-            <pc:sldMk cId="399430948" sldId="273"/>
-            <ac:cxnSpMk id="28" creationId="{B4CE0C84-F04F-B14D-AECE-ED53E4231538}"/>
-          </ac:cxnSpMkLst>
-        </pc:cxnChg>
-        <pc:cxnChg chg="del mod">
-          <ac:chgData name="Moraes,Marcia" userId="c9c67e8a-58e2-4733-9a1c-5d44fec4775b" providerId="ADAL" clId="{E81AFBF9-981A-48C7-94C8-3FDBC95BE095}" dt="2023-02-19T18:02:58.683" v="5" actId="478"/>
-          <ac:cxnSpMkLst>
-            <pc:docMk/>
-            <pc:sldMk cId="399430948" sldId="273"/>
-            <ac:cxnSpMk id="31" creationId="{CC3773A9-11C3-D946-A19D-76A052268EB9}"/>
-          </ac:cxnSpMkLst>
-        </pc:cxnChg>
-        <pc:cxnChg chg="add">
-          <ac:chgData name="Moraes,Marcia" userId="c9c67e8a-58e2-4733-9a1c-5d44fec4775b" providerId="ADAL" clId="{E81AFBF9-981A-48C7-94C8-3FDBC95BE095}" dt="2023-02-19T18:03:40.430" v="13"/>
-          <ac:cxnSpMkLst>
-            <pc:docMk/>
-            <pc:sldMk cId="399430948" sldId="273"/>
-            <ac:cxnSpMk id="33" creationId="{C380B3DE-2D93-4E7B-9C8A-9641DE031A6A}"/>
-          </ac:cxnSpMkLst>
-        </pc:cxnChg>
-      </pc:sldChg>
-      <pc:sldChg chg="addSp delSp modSp add">
-        <pc:chgData name="Moraes,Marcia" userId="c9c67e8a-58e2-4733-9a1c-5d44fec4775b" providerId="ADAL" clId="{E81AFBF9-981A-48C7-94C8-3FDBC95BE095}" dt="2023-02-19T18:16:44.134" v="198" actId="20577"/>
-        <pc:sldMkLst>
-          <pc:docMk/>
-          <pc:sldMk cId="1040172983" sldId="274"/>
-        </pc:sldMkLst>
-        <pc:spChg chg="mod">
-          <ac:chgData name="Moraes,Marcia" userId="c9c67e8a-58e2-4733-9a1c-5d44fec4775b" providerId="ADAL" clId="{E81AFBF9-981A-48C7-94C8-3FDBC95BE095}" dt="2023-02-19T18:14:19.124" v="189" actId="20577"/>
-          <ac:spMkLst>
-            <pc:docMk/>
-            <pc:sldMk cId="1040172983" sldId="274"/>
-            <ac:spMk id="2" creationId="{D605C66C-73CE-0844-B1E2-92DD868C3BD4}"/>
-          </ac:spMkLst>
-        </pc:spChg>
-        <pc:spChg chg="del">
-          <ac:chgData name="Moraes,Marcia" userId="c9c67e8a-58e2-4733-9a1c-5d44fec4775b" providerId="ADAL" clId="{E81AFBF9-981A-48C7-94C8-3FDBC95BE095}" dt="2023-02-19T18:14:23.545" v="190" actId="478"/>
-          <ac:spMkLst>
-            <pc:docMk/>
-            <pc:sldMk cId="1040172983" sldId="274"/>
-            <ac:spMk id="3" creationId="{163544BA-2E9C-6149-929C-154085C69E4B}"/>
-          </ac:spMkLst>
-        </pc:spChg>
-        <pc:spChg chg="del">
-          <ac:chgData name="Moraes,Marcia" userId="c9c67e8a-58e2-4733-9a1c-5d44fec4775b" providerId="ADAL" clId="{E81AFBF9-981A-48C7-94C8-3FDBC95BE095}" dt="2023-02-19T18:14:07.985" v="150" actId="478"/>
-          <ac:spMkLst>
-            <pc:docMk/>
-            <pc:sldMk cId="1040172983" sldId="274"/>
-            <ac:spMk id="4" creationId="{20321723-CD42-EB40-8190-DC2546004402}"/>
-          </ac:spMkLst>
-        </pc:spChg>
-        <pc:spChg chg="add del mod">
-          <ac:chgData name="Moraes,Marcia" userId="c9c67e8a-58e2-4733-9a1c-5d44fec4775b" providerId="ADAL" clId="{E81AFBF9-981A-48C7-94C8-3FDBC95BE095}" dt="2023-02-19T18:14:25.501" v="191" actId="478"/>
-          <ac:spMkLst>
-            <pc:docMk/>
-            <pc:sldMk cId="1040172983" sldId="274"/>
-            <ac:spMk id="6" creationId="{5D591FBF-6C44-47E1-A125-151D7986EE77}"/>
-          </ac:spMkLst>
-        </pc:spChg>
-        <pc:spChg chg="add mod">
-          <ac:chgData name="Moraes,Marcia" userId="c9c67e8a-58e2-4733-9a1c-5d44fec4775b" providerId="ADAL" clId="{E81AFBF9-981A-48C7-94C8-3FDBC95BE095}" dt="2023-02-19T18:16:44.134" v="198" actId="20577"/>
-          <ac:spMkLst>
-            <pc:docMk/>
-            <pc:sldMk cId="1040172983" sldId="274"/>
-            <ac:spMk id="8" creationId="{482032BF-BFBA-461D-94FF-D253DB97795D}"/>
-          </ac:spMkLst>
-        </pc:spChg>
-        <pc:picChg chg="add mod">
-          <ac:chgData name="Moraes,Marcia" userId="c9c67e8a-58e2-4733-9a1c-5d44fec4775b" providerId="ADAL" clId="{E81AFBF9-981A-48C7-94C8-3FDBC95BE095}" dt="2023-02-19T18:16:19.362" v="195" actId="1076"/>
-          <ac:picMkLst>
-            <pc:docMk/>
-            <pc:sldMk cId="1040172983" sldId="274"/>
-            <ac:picMk id="7" creationId="{85C78DAE-059F-4BE7-AC32-786C8B34C19E}"/>
-          </ac:picMkLst>
-        </pc:picChg>
-      </pc:sldChg>
-      <pc:sldChg chg="addSp delSp modSp add">
-        <pc:chgData name="Moraes,Marcia" userId="c9c67e8a-58e2-4733-9a1c-5d44fec4775b" providerId="ADAL" clId="{E81AFBF9-981A-48C7-94C8-3FDBC95BE095}" dt="2023-02-19T18:44:14.417" v="607" actId="20577"/>
-        <pc:sldMkLst>
-          <pc:docMk/>
-          <pc:sldMk cId="3173382660" sldId="275"/>
-        </pc:sldMkLst>
-        <pc:spChg chg="mod">
-          <ac:chgData name="Moraes,Marcia" userId="c9c67e8a-58e2-4733-9a1c-5d44fec4775b" providerId="ADAL" clId="{E81AFBF9-981A-48C7-94C8-3FDBC95BE095}" dt="2023-02-19T18:39:49.458" v="388" actId="20577"/>
-          <ac:spMkLst>
-            <pc:docMk/>
-            <pc:sldMk cId="3173382660" sldId="275"/>
-            <ac:spMk id="2" creationId="{D605C66C-73CE-0844-B1E2-92DD868C3BD4}"/>
-          </ac:spMkLst>
-        </pc:spChg>
-        <pc:spChg chg="add mod">
-          <ac:chgData name="Moraes,Marcia" userId="c9c67e8a-58e2-4733-9a1c-5d44fec4775b" providerId="ADAL" clId="{E81AFBF9-981A-48C7-94C8-3FDBC95BE095}" dt="2023-02-19T18:43:04.321" v="527" actId="255"/>
-          <ac:spMkLst>
-            <pc:docMk/>
-            <pc:sldMk cId="3173382660" sldId="275"/>
-            <ac:spMk id="5" creationId="{D6E256F1-1626-441B-9CF2-B384DF3CF72B}"/>
-          </ac:spMkLst>
-        </pc:spChg>
-        <pc:spChg chg="add mod">
-          <ac:chgData name="Moraes,Marcia" userId="c9c67e8a-58e2-4733-9a1c-5d44fec4775b" providerId="ADAL" clId="{E81AFBF9-981A-48C7-94C8-3FDBC95BE095}" dt="2023-02-19T18:44:14.417" v="607" actId="20577"/>
-          <ac:spMkLst>
-            <pc:docMk/>
-            <pc:sldMk cId="3173382660" sldId="275"/>
-            <ac:spMk id="6" creationId="{AE870C3C-B08B-4549-BB22-C2B2843E6947}"/>
-          </ac:spMkLst>
-        </pc:spChg>
-        <pc:spChg chg="del">
-          <ac:chgData name="Moraes,Marcia" userId="c9c67e8a-58e2-4733-9a1c-5d44fec4775b" providerId="ADAL" clId="{E81AFBF9-981A-48C7-94C8-3FDBC95BE095}" dt="2023-02-19T18:39:54.940" v="390" actId="478"/>
-          <ac:spMkLst>
-            <pc:docMk/>
-            <pc:sldMk cId="3173382660" sldId="275"/>
-            <ac:spMk id="8" creationId="{482032BF-BFBA-461D-94FF-D253DB97795D}"/>
-          </ac:spMkLst>
-        </pc:spChg>
-        <pc:picChg chg="del">
-          <ac:chgData name="Moraes,Marcia" userId="c9c67e8a-58e2-4733-9a1c-5d44fec4775b" providerId="ADAL" clId="{E81AFBF9-981A-48C7-94C8-3FDBC95BE095}" dt="2023-02-19T18:39:52.249" v="389" actId="478"/>
-          <ac:picMkLst>
-            <pc:docMk/>
-            <pc:sldMk cId="3173382660" sldId="275"/>
-            <ac:picMk id="7" creationId="{85C78DAE-059F-4BE7-AC32-786C8B34C19E}"/>
-          </ac:picMkLst>
-        </pc:picChg>
-      </pc:sldChg>
-      <pc:sldChg chg="addSp delSp modSp add modAnim">
-        <pc:chgData name="Moraes,Marcia" userId="c9c67e8a-58e2-4733-9a1c-5d44fec4775b" providerId="ADAL" clId="{E81AFBF9-981A-48C7-94C8-3FDBC95BE095}" dt="2023-02-19T18:48:42.100" v="724"/>
-        <pc:sldMkLst>
-          <pc:docMk/>
-          <pc:sldMk cId="3876355514" sldId="276"/>
-        </pc:sldMkLst>
-        <pc:spChg chg="mod">
-          <ac:chgData name="Moraes,Marcia" userId="c9c67e8a-58e2-4733-9a1c-5d44fec4775b" providerId="ADAL" clId="{E81AFBF9-981A-48C7-94C8-3FDBC95BE095}" dt="2023-02-19T18:45:37.687" v="627" actId="1076"/>
-          <ac:spMkLst>
-            <pc:docMk/>
-            <pc:sldMk cId="3876355514" sldId="276"/>
-            <ac:spMk id="2" creationId="{D605C66C-73CE-0844-B1E2-92DD868C3BD4}"/>
-          </ac:spMkLst>
-        </pc:spChg>
-        <pc:spChg chg="add mod">
-          <ac:chgData name="Moraes,Marcia" userId="c9c67e8a-58e2-4733-9a1c-5d44fec4775b" providerId="ADAL" clId="{E81AFBF9-981A-48C7-94C8-3FDBC95BE095}" dt="2023-02-19T18:45:39.902" v="628" actId="1076"/>
-          <ac:spMkLst>
-            <pc:docMk/>
-            <pc:sldMk cId="3876355514" sldId="276"/>
-            <ac:spMk id="3" creationId="{568E5B54-F4A0-418D-88C5-8BD8B6F8147E}"/>
-          </ac:spMkLst>
-        </pc:spChg>
-        <pc:spChg chg="add mod">
-          <ac:chgData name="Moraes,Marcia" userId="c9c67e8a-58e2-4733-9a1c-5d44fec4775b" providerId="ADAL" clId="{E81AFBF9-981A-48C7-94C8-3FDBC95BE095}" dt="2023-02-19T18:47:20.271" v="647" actId="20577"/>
-          <ac:spMkLst>
-            <pc:docMk/>
-            <pc:sldMk cId="3876355514" sldId="276"/>
-            <ac:spMk id="4" creationId="{2C78A60D-C1BF-47EE-8788-5BD9208A15DF}"/>
-          </ac:spMkLst>
-        </pc:spChg>
-        <pc:spChg chg="del">
-          <ac:chgData name="Moraes,Marcia" userId="c9c67e8a-58e2-4733-9a1c-5d44fec4775b" providerId="ADAL" clId="{E81AFBF9-981A-48C7-94C8-3FDBC95BE095}" dt="2023-02-19T18:45:00.911" v="609" actId="478"/>
-          <ac:spMkLst>
-            <pc:docMk/>
-            <pc:sldMk cId="3876355514" sldId="276"/>
-            <ac:spMk id="5" creationId="{D6E256F1-1626-441B-9CF2-B384DF3CF72B}"/>
-          </ac:spMkLst>
-        </pc:spChg>
-        <pc:spChg chg="del">
-          <ac:chgData name="Moraes,Marcia" userId="c9c67e8a-58e2-4733-9a1c-5d44fec4775b" providerId="ADAL" clId="{E81AFBF9-981A-48C7-94C8-3FDBC95BE095}" dt="2023-02-19T18:45:02.673" v="610" actId="478"/>
-          <ac:spMkLst>
-            <pc:docMk/>
-            <pc:sldMk cId="3876355514" sldId="276"/>
-            <ac:spMk id="6" creationId="{AE870C3C-B08B-4549-BB22-C2B2843E6947}"/>
-          </ac:spMkLst>
-        </pc:spChg>
-        <pc:spChg chg="add mod">
-          <ac:chgData name="Moraes,Marcia" userId="c9c67e8a-58e2-4733-9a1c-5d44fec4775b" providerId="ADAL" clId="{E81AFBF9-981A-48C7-94C8-3FDBC95BE095}" dt="2023-02-19T18:48:39.466" v="723" actId="207"/>
-          <ac:spMkLst>
-            <pc:docMk/>
-            <pc:sldMk cId="3876355514" sldId="276"/>
-            <ac:spMk id="10" creationId="{012B2106-53D4-43B5-8C6E-5325329F738F}"/>
-          </ac:spMkLst>
-        </pc:spChg>
-        <pc:cxnChg chg="add mod">
-          <ac:chgData name="Moraes,Marcia" userId="c9c67e8a-58e2-4733-9a1c-5d44fec4775b" providerId="ADAL" clId="{E81AFBF9-981A-48C7-94C8-3FDBC95BE095}" dt="2023-02-19T18:46:39.869" v="639" actId="14100"/>
-          <ac:cxnSpMkLst>
-            <pc:docMk/>
-            <pc:sldMk cId="3876355514" sldId="276"/>
-            <ac:cxnSpMk id="8" creationId="{523B6732-D84A-4FC4-A8DB-1B1DB0776E4B}"/>
-          </ac:cxnSpMkLst>
-        </pc:cxnChg>
-      </pc:sldChg>
-      <pc:sldChg chg="modSp add del">
-        <pc:chgData name="Moraes,Marcia" userId="c9c67e8a-58e2-4733-9a1c-5d44fec4775b" providerId="ADAL" clId="{E81AFBF9-981A-48C7-94C8-3FDBC95BE095}" dt="2023-02-19T18:50:08.051" v="751" actId="2696"/>
-        <pc:sldMkLst>
-          <pc:docMk/>
-          <pc:sldMk cId="2050579455" sldId="277"/>
-        </pc:sldMkLst>
-        <pc:spChg chg="mod">
-          <ac:chgData name="Moraes,Marcia" userId="c9c67e8a-58e2-4733-9a1c-5d44fec4775b" providerId="ADAL" clId="{E81AFBF9-981A-48C7-94C8-3FDBC95BE095}" dt="2023-02-19T18:50:02.712" v="750" actId="1076"/>
-          <ac:spMkLst>
-            <pc:docMk/>
-            <pc:sldMk cId="2050579455" sldId="277"/>
-            <ac:spMk id="2" creationId="{D605C66C-73CE-0844-B1E2-92DD868C3BD4}"/>
-          </ac:spMkLst>
-        </pc:spChg>
-      </pc:sldChg>
-    </pc:docChg>
-  </pc:docChgLst>
-  <pc:docChgLst>
-    <pc:chgData name="Marcia Moraes" userId="c9c67e8a-58e2-4733-9a1c-5d44fec4775b" providerId="ADAL" clId="{4885118A-F795-4C30-92AD-AD6E1D9AA740}"/>
-    <pc:docChg chg="undo custSel addSld delSld modSld modMainMaster">
-      <pc:chgData name="Marcia Moraes" userId="c9c67e8a-58e2-4733-9a1c-5d44fec4775b" providerId="ADAL" clId="{4885118A-F795-4C30-92AD-AD6E1D9AA740}" dt="2023-02-19T17:59:41.276" v="1143"/>
-      <pc:docMkLst>
-        <pc:docMk/>
-      </pc:docMkLst>
-      <pc:sldChg chg="addSp delSp modSp">
-        <pc:chgData name="Marcia Moraes" userId="c9c67e8a-58e2-4733-9a1c-5d44fec4775b" providerId="ADAL" clId="{4885118A-F795-4C30-92AD-AD6E1D9AA740}" dt="2023-02-19T17:27:57.133" v="668" actId="20577"/>
-        <pc:sldMkLst>
-          <pc:docMk/>
-          <pc:sldMk cId="3204462749" sldId="257"/>
-        </pc:sldMkLst>
-        <pc:spChg chg="add mod">
-          <ac:chgData name="Marcia Moraes" userId="c9c67e8a-58e2-4733-9a1c-5d44fec4775b" providerId="ADAL" clId="{4885118A-F795-4C30-92AD-AD6E1D9AA740}" dt="2023-02-19T17:27:57.133" v="668" actId="20577"/>
-          <ac:spMkLst>
-            <pc:docMk/>
-            <pc:sldMk cId="3204462749" sldId="257"/>
-            <ac:spMk id="3" creationId="{EFCE1234-ED87-4BED-AC87-36C9E8D53B6A}"/>
-          </ac:spMkLst>
-        </pc:spChg>
-        <pc:spChg chg="mod">
-          <ac:chgData name="Marcia Moraes" userId="c9c67e8a-58e2-4733-9a1c-5d44fec4775b" providerId="ADAL" clId="{4885118A-F795-4C30-92AD-AD6E1D9AA740}" dt="2023-02-19T17:17:11.773" v="306" actId="1076"/>
-          <ac:spMkLst>
-            <pc:docMk/>
-            <pc:sldMk cId="3204462749" sldId="257"/>
-            <ac:spMk id="4" creationId="{BD6FC309-A79D-4741-BFCE-C4BBBD875595}"/>
-          </ac:spMkLst>
-        </pc:spChg>
-        <pc:spChg chg="del">
-          <ac:chgData name="Marcia Moraes" userId="c9c67e8a-58e2-4733-9a1c-5d44fec4775b" providerId="ADAL" clId="{4885118A-F795-4C30-92AD-AD6E1D9AA740}" dt="2023-02-19T17:07:39.518" v="116" actId="478"/>
-          <ac:spMkLst>
-            <pc:docMk/>
-            <pc:sldMk cId="3204462749" sldId="257"/>
-            <ac:spMk id="5" creationId="{0C4F062D-DEA5-3446-929B-E7259F57793D}"/>
-          </ac:spMkLst>
-        </pc:spChg>
-        <pc:picChg chg="add mod">
-          <ac:chgData name="Marcia Moraes" userId="c9c67e8a-58e2-4733-9a1c-5d44fec4775b" providerId="ADAL" clId="{4885118A-F795-4C30-92AD-AD6E1D9AA740}" dt="2023-02-19T17:08:53.498" v="120" actId="1076"/>
-          <ac:picMkLst>
-            <pc:docMk/>
-            <pc:sldMk cId="3204462749" sldId="257"/>
-            <ac:picMk id="2050" creationId="{D2D967C6-16C2-4552-B0BF-978004717DEC}"/>
-          </ac:picMkLst>
-        </pc:picChg>
-      </pc:sldChg>
-      <pc:sldChg chg="del">
-        <pc:chgData name="Marcia Moraes" userId="c9c67e8a-58e2-4733-9a1c-5d44fec4775b" providerId="ADAL" clId="{4885118A-F795-4C30-92AD-AD6E1D9AA740}" dt="2023-02-19T17:38:06.198" v="847" actId="2696"/>
-        <pc:sldMkLst>
-          <pc:docMk/>
-          <pc:sldMk cId="1131715104" sldId="260"/>
-        </pc:sldMkLst>
-      </pc:sldChg>
-      <pc:sldChg chg="delSp modSp">
-        <pc:chgData name="Marcia Moraes" userId="c9c67e8a-58e2-4733-9a1c-5d44fec4775b" providerId="ADAL" clId="{4885118A-F795-4C30-92AD-AD6E1D9AA740}" dt="2023-02-19T17:34:38.316" v="842" actId="20577"/>
-        <pc:sldMkLst>
-          <pc:docMk/>
-          <pc:sldMk cId="3296517934" sldId="261"/>
-        </pc:sldMkLst>
-        <pc:spChg chg="mod">
-          <ac:chgData name="Marcia Moraes" userId="c9c67e8a-58e2-4733-9a1c-5d44fec4775b" providerId="ADAL" clId="{4885118A-F795-4C30-92AD-AD6E1D9AA740}" dt="2023-02-19T17:34:38.316" v="842" actId="20577"/>
-          <ac:spMkLst>
-            <pc:docMk/>
-            <pc:sldMk cId="3296517934" sldId="261"/>
-            <ac:spMk id="4" creationId="{D09A04A4-03F4-3941-91D4-9C7EF11440FC}"/>
-          </ac:spMkLst>
-        </pc:spChg>
-        <pc:spChg chg="del">
-          <ac:chgData name="Marcia Moraes" userId="c9c67e8a-58e2-4733-9a1c-5d44fec4775b" providerId="ADAL" clId="{4885118A-F795-4C30-92AD-AD6E1D9AA740}" dt="2023-02-19T17:34:17.759" v="833" actId="478"/>
-          <ac:spMkLst>
-            <pc:docMk/>
-            <pc:sldMk cId="3296517934" sldId="261"/>
-            <ac:spMk id="24" creationId="{915F4125-732D-47E1-BFF7-7EB6FB28D53E}"/>
-          </ac:spMkLst>
-        </pc:spChg>
-      </pc:sldChg>
-      <pc:sldChg chg="del">
-        <pc:chgData name="Marcia Moraes" userId="c9c67e8a-58e2-4733-9a1c-5d44fec4775b" providerId="ADAL" clId="{4885118A-F795-4C30-92AD-AD6E1D9AA740}" dt="2023-02-19T17:37:49.700" v="843" actId="2696"/>
-        <pc:sldMkLst>
-          <pc:docMk/>
-          <pc:sldMk cId="3710057812" sldId="262"/>
-        </pc:sldMkLst>
-      </pc:sldChg>
-      <pc:sldChg chg="del">
-        <pc:chgData name="Marcia Moraes" userId="c9c67e8a-58e2-4733-9a1c-5d44fec4775b" providerId="ADAL" clId="{4885118A-F795-4C30-92AD-AD6E1D9AA740}" dt="2023-02-19T17:37:51.881" v="844" actId="2696"/>
-        <pc:sldMkLst>
-          <pc:docMk/>
-          <pc:sldMk cId="903447502" sldId="263"/>
-        </pc:sldMkLst>
-      </pc:sldChg>
-      <pc:sldChg chg="del">
-        <pc:chgData name="Marcia Moraes" userId="c9c67e8a-58e2-4733-9a1c-5d44fec4775b" providerId="ADAL" clId="{4885118A-F795-4C30-92AD-AD6E1D9AA740}" dt="2023-02-19T17:37:56.760" v="845" actId="2696"/>
-        <pc:sldMkLst>
-          <pc:docMk/>
-          <pc:sldMk cId="2745592858" sldId="264"/>
-        </pc:sldMkLst>
-      </pc:sldChg>
-      <pc:sldChg chg="del">
-        <pc:chgData name="Marcia Moraes" userId="c9c67e8a-58e2-4733-9a1c-5d44fec4775b" providerId="ADAL" clId="{4885118A-F795-4C30-92AD-AD6E1D9AA740}" dt="2023-02-19T17:38:01.551" v="846" actId="2696"/>
-        <pc:sldMkLst>
-          <pc:docMk/>
-          <pc:sldMk cId="1537776465" sldId="265"/>
-        </pc:sldMkLst>
-      </pc:sldChg>
-      <pc:sldChg chg="addSp delSp modSp">
-        <pc:chgData name="Marcia Moraes" userId="c9c67e8a-58e2-4733-9a1c-5d44fec4775b" providerId="ADAL" clId="{4885118A-F795-4C30-92AD-AD6E1D9AA740}" dt="2023-02-19T17:02:16.556" v="102" actId="20577"/>
+      <pc:sldChg chg="addSp modSp">
+        <pc:chgData name="Marcia Moraes" userId="c9c67e8a-58e2-4733-9a1c-5d44fec4775b" providerId="ADAL" clId="{8E46630C-54A6-418B-9064-CA4028C49575}" dt="2023-09-14T14:00:27.200" v="95" actId="1076"/>
         <pc:sldMkLst>
           <pc:docMk/>
           <pc:sldMk cId="2019265180" sldId="268"/>
         </pc:sldMkLst>
         <pc:spChg chg="mod">
-          <ac:chgData name="Marcia Moraes" userId="c9c67e8a-58e2-4733-9a1c-5d44fec4775b" providerId="ADAL" clId="{4885118A-F795-4C30-92AD-AD6E1D9AA740}" dt="2023-02-19T16:59:49.257" v="72" actId="1076"/>
-          <ac:spMkLst>
-            <pc:docMk/>
-            <pc:sldMk cId="2019265180" sldId="268"/>
-            <ac:spMk id="2" creationId="{05CD00A8-A4FA-4E9B-9199-C0E207B0496C}"/>
-          </ac:spMkLst>
-        </pc:spChg>
-        <pc:spChg chg="mod">
-          <ac:chgData name="Marcia Moraes" userId="c9c67e8a-58e2-4733-9a1c-5d44fec4775b" providerId="ADAL" clId="{4885118A-F795-4C30-92AD-AD6E1D9AA740}" dt="2023-02-19T17:02:16.556" v="102" actId="20577"/>
+          <ac:chgData name="Marcia Moraes" userId="c9c67e8a-58e2-4733-9a1c-5d44fec4775b" providerId="ADAL" clId="{8E46630C-54A6-418B-9064-CA4028C49575}" dt="2023-09-14T13:39:06.431" v="93" actId="20577"/>
           <ac:spMkLst>
             <pc:docMk/>
             <pc:sldMk cId="2019265180" sldId="268"/>
             <ac:spMk id="7" creationId="{900B76C7-4821-426C-9C80-6ADC6DD0EA77}"/>
           </ac:spMkLst>
         </pc:spChg>
-        <pc:picChg chg="add mod">
-          <ac:chgData name="Marcia Moraes" userId="c9c67e8a-58e2-4733-9a1c-5d44fec4775b" providerId="ADAL" clId="{4885118A-F795-4C30-92AD-AD6E1D9AA740}" dt="2023-02-19T16:59:58.699" v="74" actId="1076"/>
-          <ac:picMkLst>
+        <pc:spChg chg="add mod">
+          <ac:chgData name="Marcia Moraes" userId="c9c67e8a-58e2-4733-9a1c-5d44fec4775b" providerId="ADAL" clId="{8E46630C-54A6-418B-9064-CA4028C49575}" dt="2023-09-14T14:00:27.200" v="95" actId="1076"/>
+          <ac:spMkLst>
             <pc:docMk/>
             <pc:sldMk cId="2019265180" sldId="268"/>
-            <ac:picMk id="1026" creationId="{2F52058F-C3E3-480C-9500-8136CF027CEE}"/>
-          </ac:picMkLst>
-        </pc:picChg>
-        <pc:picChg chg="del">
-          <ac:chgData name="Marcia Moraes" userId="c9c67e8a-58e2-4733-9a1c-5d44fec4775b" providerId="ADAL" clId="{4885118A-F795-4C30-92AD-AD6E1D9AA740}" dt="2023-02-19T16:58:27.424" v="67" actId="478"/>
-          <ac:picMkLst>
+            <ac:spMk id="8" creationId="{7B43A882-9B17-4B46-BBC6-9556AA47AD06}"/>
+          </ac:spMkLst>
+        </pc:spChg>
+        <pc:graphicFrameChg chg="add mod">
+          <ac:chgData name="Marcia Moraes" userId="c9c67e8a-58e2-4733-9a1c-5d44fec4775b" providerId="ADAL" clId="{8E46630C-54A6-418B-9064-CA4028C49575}" dt="2023-09-14T14:00:27.200" v="95" actId="1076"/>
+          <ac:graphicFrameMkLst>
             <pc:docMk/>
             <pc:sldMk cId="2019265180" sldId="268"/>
-            <ac:picMk id="3074" creationId="{7D3047CB-C030-4D04-9C55-CE5202278312}"/>
-          </ac:picMkLst>
-        </pc:picChg>
-      </pc:sldChg>
-      <pc:sldChg chg="modSp add">
-        <pc:chgData name="Marcia Moraes" userId="c9c67e8a-58e2-4733-9a1c-5d44fec4775b" providerId="ADAL" clId="{4885118A-F795-4C30-92AD-AD6E1D9AA740}" dt="2023-02-19T17:15:25.846" v="300" actId="20577"/>
-        <pc:sldMkLst>
-          <pc:docMk/>
-          <pc:sldMk cId="373705059" sldId="269"/>
-        </pc:sldMkLst>
-        <pc:spChg chg="mod">
-          <ac:chgData name="Marcia Moraes" userId="c9c67e8a-58e2-4733-9a1c-5d44fec4775b" providerId="ADAL" clId="{4885118A-F795-4C30-92AD-AD6E1D9AA740}" dt="2023-02-19T17:15:25.846" v="300" actId="20577"/>
-          <ac:spMkLst>
-            <pc:docMk/>
-            <pc:sldMk cId="373705059" sldId="269"/>
-            <ac:spMk id="3" creationId="{EFCE1234-ED87-4BED-AC87-36C9E8D53B6A}"/>
-          </ac:spMkLst>
-        </pc:spChg>
-        <pc:spChg chg="mod">
-          <ac:chgData name="Marcia Moraes" userId="c9c67e8a-58e2-4733-9a1c-5d44fec4775b" providerId="ADAL" clId="{4885118A-F795-4C30-92AD-AD6E1D9AA740}" dt="2023-02-19T17:11:32.469" v="295" actId="20577"/>
-          <ac:spMkLst>
-            <pc:docMk/>
-            <pc:sldMk cId="373705059" sldId="269"/>
-            <ac:spMk id="4" creationId="{BD6FC309-A79D-4741-BFCE-C4BBBD875595}"/>
-          </ac:spMkLst>
-        </pc:spChg>
-      </pc:sldChg>
-      <pc:sldChg chg="addSp delSp modSp add">
-        <pc:chgData name="Marcia Moraes" userId="c9c67e8a-58e2-4733-9a1c-5d44fec4775b" providerId="ADAL" clId="{4885118A-F795-4C30-92AD-AD6E1D9AA740}" dt="2023-02-19T17:26:49.227" v="667" actId="6549"/>
-        <pc:sldMkLst>
-          <pc:docMk/>
-          <pc:sldMk cId="1087855130" sldId="270"/>
-        </pc:sldMkLst>
-        <pc:spChg chg="add del">
-          <ac:chgData name="Marcia Moraes" userId="c9c67e8a-58e2-4733-9a1c-5d44fec4775b" providerId="ADAL" clId="{4885118A-F795-4C30-92AD-AD6E1D9AA740}" dt="2023-02-19T17:20:03.630" v="314"/>
-          <ac:spMkLst>
-            <pc:docMk/>
-            <pc:sldMk cId="1087855130" sldId="270"/>
-            <ac:spMk id="2" creationId="{B2DA6AAA-AE6B-4CC5-A10A-5248DE754328}"/>
-          </ac:spMkLst>
-        </pc:spChg>
-        <pc:spChg chg="add del mod">
-          <ac:chgData name="Marcia Moraes" userId="c9c67e8a-58e2-4733-9a1c-5d44fec4775b" providerId="ADAL" clId="{4885118A-F795-4C30-92AD-AD6E1D9AA740}" dt="2023-02-19T17:26:49.227" v="667" actId="6549"/>
-          <ac:spMkLst>
-            <pc:docMk/>
-            <pc:sldMk cId="1087855130" sldId="270"/>
-            <ac:spMk id="3" creationId="{EFCE1234-ED87-4BED-AC87-36C9E8D53B6A}"/>
-          </ac:spMkLst>
-        </pc:spChg>
-        <pc:spChg chg="mod">
-          <ac:chgData name="Marcia Moraes" userId="c9c67e8a-58e2-4733-9a1c-5d44fec4775b" providerId="ADAL" clId="{4885118A-F795-4C30-92AD-AD6E1D9AA740}" dt="2023-02-19T17:18:31.736" v="312" actId="20577"/>
-          <ac:spMkLst>
-            <pc:docMk/>
-            <pc:sldMk cId="1087855130" sldId="270"/>
-            <ac:spMk id="4" creationId="{BD6FC309-A79D-4741-BFCE-C4BBBD875595}"/>
-          </ac:spMkLst>
-        </pc:spChg>
-        <pc:spChg chg="add del">
-          <ac:chgData name="Marcia Moraes" userId="c9c67e8a-58e2-4733-9a1c-5d44fec4775b" providerId="ADAL" clId="{4885118A-F795-4C30-92AD-AD6E1D9AA740}" dt="2023-02-19T17:20:09.123" v="317"/>
-          <ac:spMkLst>
-            <pc:docMk/>
-            <pc:sldMk cId="1087855130" sldId="270"/>
-            <ac:spMk id="5" creationId="{6E9B6B81-ACF8-49D0-8B28-4BDEBE85AC06}"/>
-          </ac:spMkLst>
-        </pc:spChg>
-        <pc:spChg chg="add del">
-          <ac:chgData name="Marcia Moraes" userId="c9c67e8a-58e2-4733-9a1c-5d44fec4775b" providerId="ADAL" clId="{4885118A-F795-4C30-92AD-AD6E1D9AA740}" dt="2023-02-19T17:20:14.912" v="322"/>
-          <ac:spMkLst>
-            <pc:docMk/>
-            <pc:sldMk cId="1087855130" sldId="270"/>
-            <ac:spMk id="6" creationId="{ADFA026F-D5E2-4046-8172-194F4EF365BD}"/>
-          </ac:spMkLst>
-        </pc:spChg>
-        <pc:spChg chg="add del">
-          <ac:chgData name="Marcia Moraes" userId="c9c67e8a-58e2-4733-9a1c-5d44fec4775b" providerId="ADAL" clId="{4885118A-F795-4C30-92AD-AD6E1D9AA740}" dt="2023-02-19T17:20:27.965" v="324"/>
-          <ac:spMkLst>
-            <pc:docMk/>
-            <pc:sldMk cId="1087855130" sldId="270"/>
-            <ac:spMk id="7" creationId="{A9D0D6D1-960A-414C-8E56-74EBBEA1F8F9}"/>
-          </ac:spMkLst>
-        </pc:spChg>
-        <pc:spChg chg="add del">
-          <ac:chgData name="Marcia Moraes" userId="c9c67e8a-58e2-4733-9a1c-5d44fec4775b" providerId="ADAL" clId="{4885118A-F795-4C30-92AD-AD6E1D9AA740}" dt="2023-02-19T17:23:30.317" v="386"/>
-          <ac:spMkLst>
-            <pc:docMk/>
-            <pc:sldMk cId="1087855130" sldId="270"/>
-            <ac:spMk id="8" creationId="{3C618992-0F1C-4729-9126-A6A2B1AC4C98}"/>
-          </ac:spMkLst>
-        </pc:spChg>
-      </pc:sldChg>
-      <pc:sldChg chg="del">
-        <pc:chgData name="Marcia Moraes" userId="c9c67e8a-58e2-4733-9a1c-5d44fec4775b" providerId="ADAL" clId="{4885118A-F795-4C30-92AD-AD6E1D9AA740}" dt="2023-02-19T17:02:27.285" v="103" actId="2696"/>
-        <pc:sldMkLst>
-          <pc:docMk/>
-          <pc:sldMk cId="926474781" sldId="271"/>
-        </pc:sldMkLst>
-      </pc:sldChg>
-      <pc:sldChg chg="addSp delSp modSp add">
-        <pc:chgData name="Marcia Moraes" userId="c9c67e8a-58e2-4733-9a1c-5d44fec4775b" providerId="ADAL" clId="{4885118A-F795-4C30-92AD-AD6E1D9AA740}" dt="2023-02-19T17:33:23.768" v="832" actId="1076"/>
-        <pc:sldMkLst>
-          <pc:docMk/>
-          <pc:sldMk cId="2291903767" sldId="271"/>
-        </pc:sldMkLst>
-        <pc:spChg chg="del">
-          <ac:chgData name="Marcia Moraes" userId="c9c67e8a-58e2-4733-9a1c-5d44fec4775b" providerId="ADAL" clId="{4885118A-F795-4C30-92AD-AD6E1D9AA740}" dt="2023-02-19T17:28:50.996" v="691" actId="478"/>
-          <ac:spMkLst>
-            <pc:docMk/>
-            <pc:sldMk cId="2291903767" sldId="271"/>
-            <ac:spMk id="3" creationId="{EFCE1234-ED87-4BED-AC87-36C9E8D53B6A}"/>
-          </ac:spMkLst>
-        </pc:spChg>
-        <pc:spChg chg="mod">
-          <ac:chgData name="Marcia Moraes" userId="c9c67e8a-58e2-4733-9a1c-5d44fec4775b" providerId="ADAL" clId="{4885118A-F795-4C30-92AD-AD6E1D9AA740}" dt="2023-02-19T17:33:23.768" v="832" actId="1076"/>
-          <ac:spMkLst>
-            <pc:docMk/>
-            <pc:sldMk cId="2291903767" sldId="271"/>
-            <ac:spMk id="4" creationId="{BD6FC309-A79D-4741-BFCE-C4BBBD875595}"/>
-          </ac:spMkLst>
-        </pc:spChg>
-        <pc:spChg chg="add del mod">
-          <ac:chgData name="Marcia Moraes" userId="c9c67e8a-58e2-4733-9a1c-5d44fec4775b" providerId="ADAL" clId="{4885118A-F795-4C30-92AD-AD6E1D9AA740}" dt="2023-02-19T17:28:53.293" v="692" actId="478"/>
-          <ac:spMkLst>
-            <pc:docMk/>
-            <pc:sldMk cId="2291903767" sldId="271"/>
-            <ac:spMk id="5" creationId="{AC1D4249-68D5-49D4-A9FF-B5D3A5D67816}"/>
-          </ac:spMkLst>
-        </pc:spChg>
-        <pc:spChg chg="add mod">
-          <ac:chgData name="Marcia Moraes" userId="c9c67e8a-58e2-4733-9a1c-5d44fec4775b" providerId="ADAL" clId="{4885118A-F795-4C30-92AD-AD6E1D9AA740}" dt="2023-02-19T17:32:33.538" v="818" actId="14100"/>
-          <ac:spMkLst>
-            <pc:docMk/>
-            <pc:sldMk cId="2291903767" sldId="271"/>
-            <ac:spMk id="6" creationId="{A443E62A-1536-4BCB-91EF-9296DB066208}"/>
-          </ac:spMkLst>
-        </pc:spChg>
-        <pc:spChg chg="add mod">
-          <ac:chgData name="Marcia Moraes" userId="c9c67e8a-58e2-4733-9a1c-5d44fec4775b" providerId="ADAL" clId="{4885118A-F795-4C30-92AD-AD6E1D9AA740}" dt="2023-02-19T17:30:17.178" v="766" actId="1076"/>
-          <ac:spMkLst>
-            <pc:docMk/>
-            <pc:sldMk cId="2291903767" sldId="271"/>
-            <ac:spMk id="7" creationId="{419D7674-7F10-4DFC-A095-70E03CD60C53}"/>
-          </ac:spMkLst>
-        </pc:spChg>
-        <pc:spChg chg="add mod">
-          <ac:chgData name="Marcia Moraes" userId="c9c67e8a-58e2-4733-9a1c-5d44fec4775b" providerId="ADAL" clId="{4885118A-F795-4C30-92AD-AD6E1D9AA740}" dt="2023-02-19T17:32:29.254" v="817" actId="14100"/>
-          <ac:spMkLst>
-            <pc:docMk/>
-            <pc:sldMk cId="2291903767" sldId="271"/>
-            <ac:spMk id="8" creationId="{9FFDD2B2-CCFF-4036-B71A-68298CF4F726}"/>
-          </ac:spMkLst>
-        </pc:spChg>
-        <pc:spChg chg="add mod">
-          <ac:chgData name="Marcia Moraes" userId="c9c67e8a-58e2-4733-9a1c-5d44fec4775b" providerId="ADAL" clId="{4885118A-F795-4C30-92AD-AD6E1D9AA740}" dt="2023-02-19T17:32:25.213" v="816" actId="14100"/>
-          <ac:spMkLst>
-            <pc:docMk/>
-            <pc:sldMk cId="2291903767" sldId="271"/>
-            <ac:spMk id="10" creationId="{A0F7DFC3-07F0-4F6D-A4FB-498F2000675F}"/>
-          </ac:spMkLst>
-        </pc:spChg>
-        <pc:spChg chg="add mod">
-          <ac:chgData name="Marcia Moraes" userId="c9c67e8a-58e2-4733-9a1c-5d44fec4775b" providerId="ADAL" clId="{4885118A-F795-4C30-92AD-AD6E1D9AA740}" dt="2023-02-19T17:31:51.367" v="813" actId="20577"/>
-          <ac:spMkLst>
-            <pc:docMk/>
-            <pc:sldMk cId="2291903767" sldId="271"/>
-            <ac:spMk id="11" creationId="{DF91249D-4667-459D-96D7-A9230D900695}"/>
-          </ac:spMkLst>
-        </pc:spChg>
-      </pc:sldChg>
-      <pc:sldChg chg="addSp delSp modSp add delAnim modAnim">
-        <pc:chgData name="Marcia Moraes" userId="c9c67e8a-58e2-4733-9a1c-5d44fec4775b" providerId="ADAL" clId="{4885118A-F795-4C30-92AD-AD6E1D9AA740}" dt="2023-02-19T17:59:41.276" v="1143"/>
-        <pc:sldMkLst>
-          <pc:docMk/>
-          <pc:sldMk cId="1841629339" sldId="272"/>
-        </pc:sldMkLst>
-        <pc:spChg chg="mod">
-          <ac:chgData name="Marcia Moraes" userId="c9c67e8a-58e2-4733-9a1c-5d44fec4775b" providerId="ADAL" clId="{4885118A-F795-4C30-92AD-AD6E1D9AA740}" dt="2023-02-19T17:49:31.921" v="1012" actId="1076"/>
-          <ac:spMkLst>
-            <pc:docMk/>
-            <pc:sldMk cId="1841629339" sldId="272"/>
-            <ac:spMk id="2" creationId="{8052EA39-B0D2-6840-8022-E0C1658842D9}"/>
-          </ac:spMkLst>
-        </pc:spChg>
-        <pc:spChg chg="add mod">
-          <ac:chgData name="Marcia Moraes" userId="c9c67e8a-58e2-4733-9a1c-5d44fec4775b" providerId="ADAL" clId="{4885118A-F795-4C30-92AD-AD6E1D9AA740}" dt="2023-02-19T17:51:02.403" v="1050" actId="164"/>
-          <ac:spMkLst>
-            <pc:docMk/>
-            <pc:sldMk cId="1841629339" sldId="272"/>
-            <ac:spMk id="3" creationId="{A59CF7C4-D4AF-4146-A617-EC877BA0F9DC}"/>
-          </ac:spMkLst>
-        </pc:spChg>
-        <pc:spChg chg="mod">
-          <ac:chgData name="Marcia Moraes" userId="c9c67e8a-58e2-4733-9a1c-5d44fec4775b" providerId="ADAL" clId="{4885118A-F795-4C30-92AD-AD6E1D9AA740}" dt="2023-02-19T17:50:45.131" v="1046" actId="1076"/>
-          <ac:spMkLst>
-            <pc:docMk/>
-            <pc:sldMk cId="1841629339" sldId="272"/>
-            <ac:spMk id="4" creationId="{D09A04A4-03F4-3941-91D4-9C7EF11440FC}"/>
-          </ac:spMkLst>
-        </pc:spChg>
-        <pc:spChg chg="del">
-          <ac:chgData name="Marcia Moraes" userId="c9c67e8a-58e2-4733-9a1c-5d44fec4775b" providerId="ADAL" clId="{4885118A-F795-4C30-92AD-AD6E1D9AA740}" dt="2023-02-19T17:45:56.604" v="884" actId="478"/>
-          <ac:spMkLst>
-            <pc:docMk/>
-            <pc:sldMk cId="1841629339" sldId="272"/>
-            <ac:spMk id="5" creationId="{0718AF92-0E06-8D40-8CA7-2E00C9755353}"/>
-          </ac:spMkLst>
-        </pc:spChg>
-        <pc:spChg chg="add mod">
-          <ac:chgData name="Marcia Moraes" userId="c9c67e8a-58e2-4733-9a1c-5d44fec4775b" providerId="ADAL" clId="{4885118A-F795-4C30-92AD-AD6E1D9AA740}" dt="2023-02-19T17:50:07.972" v="1019" actId="1076"/>
-          <ac:spMkLst>
-            <pc:docMk/>
-            <pc:sldMk cId="1841629339" sldId="272"/>
-            <ac:spMk id="6" creationId="{79BCCF96-B61C-4DD7-AFCA-9285071FE123}"/>
-          </ac:spMkLst>
-        </pc:spChg>
-        <pc:spChg chg="add mod">
-          <ac:chgData name="Marcia Moraes" userId="c9c67e8a-58e2-4733-9a1c-5d44fec4775b" providerId="ADAL" clId="{4885118A-F795-4C30-92AD-AD6E1D9AA740}" dt="2023-02-19T17:52:10.455" v="1058" actId="1076"/>
-          <ac:spMkLst>
-            <pc:docMk/>
-            <pc:sldMk cId="1841629339" sldId="272"/>
-            <ac:spMk id="12" creationId="{813E19FC-C57E-44FE-B1FA-209324F88D21}"/>
-          </ac:spMkLst>
-        </pc:spChg>
-        <pc:spChg chg="del">
-          <ac:chgData name="Marcia Moraes" userId="c9c67e8a-58e2-4733-9a1c-5d44fec4775b" providerId="ADAL" clId="{4885118A-F795-4C30-92AD-AD6E1D9AA740}" dt="2023-02-19T17:46:18.221" v="897" actId="478"/>
-          <ac:spMkLst>
-            <pc:docMk/>
-            <pc:sldMk cId="1841629339" sldId="272"/>
-            <ac:spMk id="14" creationId="{50750681-4E17-ED43-B7D4-7E72D6398295}"/>
-          </ac:spMkLst>
-        </pc:spChg>
-        <pc:spChg chg="del">
-          <ac:chgData name="Marcia Moraes" userId="c9c67e8a-58e2-4733-9a1c-5d44fec4775b" providerId="ADAL" clId="{4885118A-F795-4C30-92AD-AD6E1D9AA740}" dt="2023-02-19T17:45:59.623" v="886" actId="478"/>
-          <ac:spMkLst>
-            <pc:docMk/>
-            <pc:sldMk cId="1841629339" sldId="272"/>
-            <ac:spMk id="18" creationId="{A63151C9-1E97-EA4C-B443-9F8B49D99CF3}"/>
-          </ac:spMkLst>
-        </pc:spChg>
-        <pc:spChg chg="del">
-          <ac:chgData name="Marcia Moraes" userId="c9c67e8a-58e2-4733-9a1c-5d44fec4775b" providerId="ADAL" clId="{4885118A-F795-4C30-92AD-AD6E1D9AA740}" dt="2023-02-19T17:45:58.260" v="885" actId="478"/>
-          <ac:spMkLst>
-            <pc:docMk/>
-            <pc:sldMk cId="1841629339" sldId="272"/>
-            <ac:spMk id="19" creationId="{65B79D3C-8A4F-3F4A-9C34-96C9A0A9B540}"/>
-          </ac:spMkLst>
-        </pc:spChg>
-        <pc:spChg chg="del">
-          <ac:chgData name="Marcia Moraes" userId="c9c67e8a-58e2-4733-9a1c-5d44fec4775b" providerId="ADAL" clId="{4885118A-F795-4C30-92AD-AD6E1D9AA740}" dt="2023-02-19T17:46:02.168" v="888" actId="478"/>
-          <ac:spMkLst>
-            <pc:docMk/>
-            <pc:sldMk cId="1841629339" sldId="272"/>
-            <ac:spMk id="20" creationId="{AF06B11E-75DE-AA4C-B580-87A8F85A1032}"/>
-          </ac:spMkLst>
-        </pc:spChg>
-        <pc:spChg chg="del">
-          <ac:chgData name="Marcia Moraes" userId="c9c67e8a-58e2-4733-9a1c-5d44fec4775b" providerId="ADAL" clId="{4885118A-F795-4C30-92AD-AD6E1D9AA740}" dt="2023-02-19T17:45:33.724" v="849" actId="478"/>
-          <ac:spMkLst>
-            <pc:docMk/>
-            <pc:sldMk cId="1841629339" sldId="272"/>
-            <ac:spMk id="21" creationId="{D767C328-CD32-4B6F-8213-072321264794}"/>
-          </ac:spMkLst>
-        </pc:spChg>
-        <pc:spChg chg="del">
-          <ac:chgData name="Marcia Moraes" userId="c9c67e8a-58e2-4733-9a1c-5d44fec4775b" providerId="ADAL" clId="{4885118A-F795-4C30-92AD-AD6E1D9AA740}" dt="2023-02-19T17:46:04.845" v="890" actId="478"/>
-          <ac:spMkLst>
-            <pc:docMk/>
-            <pc:sldMk cId="1841629339" sldId="272"/>
-            <ac:spMk id="23" creationId="{0728ECDA-828A-DC45-847D-6128C9F517BD}"/>
-          </ac:spMkLst>
-        </pc:spChg>
-        <pc:spChg chg="del">
-          <ac:chgData name="Marcia Moraes" userId="c9c67e8a-58e2-4733-9a1c-5d44fec4775b" providerId="ADAL" clId="{4885118A-F795-4C30-92AD-AD6E1D9AA740}" dt="2023-02-19T17:46:15.918" v="896" actId="478"/>
-          <ac:spMkLst>
-            <pc:docMk/>
-            <pc:sldMk cId="1841629339" sldId="272"/>
-            <ac:spMk id="26" creationId="{C9D5293E-57B1-E045-A61F-FB1A7ED83243}"/>
-          </ac:spMkLst>
-        </pc:spChg>
-        <pc:spChg chg="del mod">
-          <ac:chgData name="Marcia Moraes" userId="c9c67e8a-58e2-4733-9a1c-5d44fec4775b" providerId="ADAL" clId="{4885118A-F795-4C30-92AD-AD6E1D9AA740}" dt="2023-02-19T17:46:11.662" v="894" actId="478"/>
-          <ac:spMkLst>
-            <pc:docMk/>
-            <pc:sldMk cId="1841629339" sldId="272"/>
-            <ac:spMk id="29" creationId="{5EFA1471-51D3-3341-8C44-90AC5D145C61}"/>
-          </ac:spMkLst>
-        </pc:spChg>
-        <pc:grpChg chg="add mod">
-          <ac:chgData name="Marcia Moraes" userId="c9c67e8a-58e2-4733-9a1c-5d44fec4775b" providerId="ADAL" clId="{4885118A-F795-4C30-92AD-AD6E1D9AA740}" dt="2023-02-19T17:51:02.403" v="1050" actId="164"/>
-          <ac:grpSpMkLst>
-            <pc:docMk/>
-            <pc:sldMk cId="1841629339" sldId="272"/>
-            <ac:grpSpMk id="11" creationId="{8DD8966E-C273-4FC8-81A6-ABA8F9408BE5}"/>
-          </ac:grpSpMkLst>
-        </pc:grpChg>
-        <pc:graphicFrameChg chg="add mod modGraphic">
-          <ac:chgData name="Marcia Moraes" userId="c9c67e8a-58e2-4733-9a1c-5d44fec4775b" providerId="ADAL" clId="{4885118A-F795-4C30-92AD-AD6E1D9AA740}" dt="2023-02-19T17:51:30.528" v="1055" actId="14734"/>
-          <ac:graphicFrameMkLst>
-            <pc:docMk/>
-            <pc:sldMk cId="1841629339" sldId="272"/>
-            <ac:graphicFrameMk id="8" creationId="{C84F05BD-05F3-48AF-AAEF-987D93EEB758}"/>
+            <ac:graphicFrameMk id="6" creationId="{5E1C54DE-560C-438E-A2A3-9161E643CB98}"/>
           </ac:graphicFrameMkLst>
         </pc:graphicFrameChg>
-        <pc:graphicFrameChg chg="mod modGraphic">
-          <ac:chgData name="Marcia Moraes" userId="c9c67e8a-58e2-4733-9a1c-5d44fec4775b" providerId="ADAL" clId="{4885118A-F795-4C30-92AD-AD6E1D9AA740}" dt="2023-02-19T17:54:57.001" v="1141" actId="20577"/>
-          <ac:graphicFrameMkLst>
-            <pc:docMk/>
-            <pc:sldMk cId="1841629339" sldId="272"/>
-            <ac:graphicFrameMk id="15" creationId="{836177D1-11DD-4F7D-9A1F-95997ACF7364}"/>
-          </ac:graphicFrameMkLst>
-        </pc:graphicFrameChg>
-        <pc:cxnChg chg="del">
-          <ac:chgData name="Marcia Moraes" userId="c9c67e8a-58e2-4733-9a1c-5d44fec4775b" providerId="ADAL" clId="{4885118A-F795-4C30-92AD-AD6E1D9AA740}" dt="2023-02-19T17:45:54.304" v="883" actId="478"/>
-          <ac:cxnSpMkLst>
-            <pc:docMk/>
-            <pc:sldMk cId="1841629339" sldId="272"/>
-            <ac:cxnSpMk id="7" creationId="{863D32AB-9A76-5D44-8064-B653E00B1EF3}"/>
-          </ac:cxnSpMkLst>
-        </pc:cxnChg>
-        <pc:cxnChg chg="add mod">
-          <ac:chgData name="Marcia Moraes" userId="c9c67e8a-58e2-4733-9a1c-5d44fec4775b" providerId="ADAL" clId="{4885118A-F795-4C30-92AD-AD6E1D9AA740}" dt="2023-02-19T17:51:02.403" v="1050" actId="164"/>
-          <ac:cxnSpMkLst>
-            <pc:docMk/>
-            <pc:sldMk cId="1841629339" sldId="272"/>
-            <ac:cxnSpMk id="10" creationId="{79C72960-A242-4E16-9D4B-FD3097BA120B}"/>
-          </ac:cxnSpMkLst>
-        </pc:cxnChg>
-        <pc:cxnChg chg="del">
-          <ac:chgData name="Marcia Moraes" userId="c9c67e8a-58e2-4733-9a1c-5d44fec4775b" providerId="ADAL" clId="{4885118A-F795-4C30-92AD-AD6E1D9AA740}" dt="2023-02-19T17:48:04.945" v="979" actId="478"/>
-          <ac:cxnSpMkLst>
-            <pc:docMk/>
-            <pc:sldMk cId="1841629339" sldId="272"/>
-            <ac:cxnSpMk id="13" creationId="{24B64E67-31F1-224E-9C36-D45B4502636E}"/>
-          </ac:cxnSpMkLst>
-        </pc:cxnChg>
-        <pc:cxnChg chg="del mod">
-          <ac:chgData name="Marcia Moraes" userId="c9c67e8a-58e2-4733-9a1c-5d44fec4775b" providerId="ADAL" clId="{4885118A-F795-4C30-92AD-AD6E1D9AA740}" dt="2023-02-19T17:46:20.213" v="898" actId="478"/>
-          <ac:cxnSpMkLst>
-            <pc:docMk/>
-            <pc:sldMk cId="1841629339" sldId="272"/>
-            <ac:cxnSpMk id="16" creationId="{BA4D9938-72F6-414B-8985-95ED80C7C2F3}"/>
-          </ac:cxnSpMkLst>
-        </pc:cxnChg>
-        <pc:cxnChg chg="del mod">
-          <ac:chgData name="Marcia Moraes" userId="c9c67e8a-58e2-4733-9a1c-5d44fec4775b" providerId="ADAL" clId="{4885118A-F795-4C30-92AD-AD6E1D9AA740}" dt="2023-02-19T17:46:01.161" v="887" actId="478"/>
-          <ac:cxnSpMkLst>
-            <pc:docMk/>
-            <pc:sldMk cId="1841629339" sldId="272"/>
-            <ac:cxnSpMk id="22" creationId="{D8EE1417-D6B4-3042-8490-C63023508FB8}"/>
-          </ac:cxnSpMkLst>
-        </pc:cxnChg>
-        <pc:cxnChg chg="add mod">
-          <ac:chgData name="Marcia Moraes" userId="c9c67e8a-58e2-4733-9a1c-5d44fec4775b" providerId="ADAL" clId="{4885118A-F795-4C30-92AD-AD6E1D9AA740}" dt="2023-02-19T17:59:32.411" v="1142" actId="11529"/>
-          <ac:cxnSpMkLst>
-            <pc:docMk/>
-            <pc:sldMk cId="1841629339" sldId="272"/>
-            <ac:cxnSpMk id="24" creationId="{4B206A9E-0752-4D9F-A55D-1FF03A592AC2}"/>
-          </ac:cxnSpMkLst>
-        </pc:cxnChg>
-        <pc:cxnChg chg="del mod">
-          <ac:chgData name="Marcia Moraes" userId="c9c67e8a-58e2-4733-9a1c-5d44fec4775b" providerId="ADAL" clId="{4885118A-F795-4C30-92AD-AD6E1D9AA740}" dt="2023-02-19T17:46:03.648" v="889" actId="478"/>
-          <ac:cxnSpMkLst>
-            <pc:docMk/>
-            <pc:sldMk cId="1841629339" sldId="272"/>
-            <ac:cxnSpMk id="25" creationId="{E5E984DA-E44F-E346-8C59-40DEC97F31E5}"/>
-          </ac:cxnSpMkLst>
-        </pc:cxnChg>
-        <pc:cxnChg chg="del mod">
-          <ac:chgData name="Marcia Moraes" userId="c9c67e8a-58e2-4733-9a1c-5d44fec4775b" providerId="ADAL" clId="{4885118A-F795-4C30-92AD-AD6E1D9AA740}" dt="2023-02-19T17:46:13.713" v="895" actId="478"/>
-          <ac:cxnSpMkLst>
-            <pc:docMk/>
-            <pc:sldMk cId="1841629339" sldId="272"/>
-            <ac:cxnSpMk id="28" creationId="{B4CE0C84-F04F-B14D-AECE-ED53E4231538}"/>
-          </ac:cxnSpMkLst>
-        </pc:cxnChg>
-        <pc:cxnChg chg="del mod">
-          <ac:chgData name="Marcia Moraes" userId="c9c67e8a-58e2-4733-9a1c-5d44fec4775b" providerId="ADAL" clId="{4885118A-F795-4C30-92AD-AD6E1D9AA740}" dt="2023-02-19T17:46:06.559" v="891" actId="478"/>
-          <ac:cxnSpMkLst>
-            <pc:docMk/>
-            <pc:sldMk cId="1841629339" sldId="272"/>
-            <ac:cxnSpMk id="31" creationId="{CC3773A9-11C3-D946-A19D-76A052268EB9}"/>
-          </ac:cxnSpMkLst>
-        </pc:cxnChg>
       </pc:sldChg>
-      <pc:sldMasterChg chg="delSldLayout modSldLayout">
-        <pc:chgData name="Marcia Moraes" userId="c9c67e8a-58e2-4733-9a1c-5d44fec4775b" providerId="ADAL" clId="{4885118A-F795-4C30-92AD-AD6E1D9AA740}" dt="2023-02-19T17:02:27.322" v="104" actId="2696"/>
-        <pc:sldMasterMkLst>
-          <pc:docMk/>
-          <pc:sldMasterMk cId="3965733437" sldId="2147483648"/>
-        </pc:sldMasterMkLst>
-        <pc:sldLayoutChg chg="modSp">
-          <pc:chgData name="Marcia Moraes" userId="c9c67e8a-58e2-4733-9a1c-5d44fec4775b" providerId="ADAL" clId="{4885118A-F795-4C30-92AD-AD6E1D9AA740}" dt="2023-02-19T16:45:03.920" v="66" actId="20577"/>
-          <pc:sldLayoutMkLst>
-            <pc:docMk/>
-            <pc:sldMasterMk cId="3965733437" sldId="2147483648"/>
-            <pc:sldLayoutMk cId="0" sldId="2147483689"/>
-          </pc:sldLayoutMkLst>
-          <pc:spChg chg="mod">
-            <ac:chgData name="Marcia Moraes" userId="c9c67e8a-58e2-4733-9a1c-5d44fec4775b" providerId="ADAL" clId="{4885118A-F795-4C30-92AD-AD6E1D9AA740}" dt="2023-02-19T16:44:41.175" v="1" actId="1076"/>
-            <ac:spMkLst>
-              <pc:docMk/>
-              <pc:sldMasterMk cId="3965733437" sldId="2147483648"/>
-              <pc:sldLayoutMk cId="0" sldId="2147483689"/>
-              <ac:spMk id="9" creationId="{518974DB-51D0-2C49-9088-48CE2D84AB1C}"/>
-            </ac:spMkLst>
-          </pc:spChg>
-          <pc:spChg chg="mod">
-            <ac:chgData name="Marcia Moraes" userId="c9c67e8a-58e2-4733-9a1c-5d44fec4775b" providerId="ADAL" clId="{4885118A-F795-4C30-92AD-AD6E1D9AA740}" dt="2023-02-19T16:45:03.920" v="66" actId="20577"/>
-            <ac:spMkLst>
-              <pc:docMk/>
-              <pc:sldMasterMk cId="3965733437" sldId="2147483648"/>
-              <pc:sldLayoutMk cId="0" sldId="2147483689"/>
-              <ac:spMk id="11" creationId="{F621E987-BD36-AF48-B11C-CC4BAD65092F}"/>
-            </ac:spMkLst>
-          </pc:spChg>
-          <pc:picChg chg="mod">
-            <ac:chgData name="Marcia Moraes" userId="c9c67e8a-58e2-4733-9a1c-5d44fec4775b" providerId="ADAL" clId="{4885118A-F795-4C30-92AD-AD6E1D9AA740}" dt="2023-02-19T16:44:37.990" v="0" actId="1076"/>
-            <ac:picMkLst>
-              <pc:docMk/>
-              <pc:sldMasterMk cId="3965733437" sldId="2147483648"/>
-              <pc:sldLayoutMk cId="0" sldId="2147483689"/>
-              <ac:picMk id="7" creationId="{00000000-0000-0000-0000-000000000000}"/>
-            </ac:picMkLst>
-          </pc:picChg>
-        </pc:sldLayoutChg>
-        <pc:sldLayoutChg chg="del">
-          <pc:chgData name="Marcia Moraes" userId="c9c67e8a-58e2-4733-9a1c-5d44fec4775b" providerId="ADAL" clId="{4885118A-F795-4C30-92AD-AD6E1D9AA740}" dt="2023-02-19T17:02:27.322" v="104" actId="2696"/>
-          <pc:sldLayoutMkLst>
-            <pc:docMk/>
-            <pc:sldMasterMk cId="3965733437" sldId="2147483648"/>
-            <pc:sldLayoutMk cId="4047731961" sldId="2147483693"/>
-          </pc:sldLayoutMkLst>
-        </pc:sldLayoutChg>
-      </pc:sldMasterChg>
     </pc:docChg>
   </pc:docChgLst>
 </pc:chgInfo>
@@ -1272,7 +278,7 @@
           <a:p>
             <a:fld id="{4D7E51A5-B478-1E40-8CBB-0DAA8831E99D}" type="datetimeFigureOut">
               <a:rPr lang="en-US" smtClean="0"/>
-              <a:t>2/19/2023</a:t>
+              <a:t>9/14/2023</a:t>
             </a:fld>
             <a:endParaRPr lang="en-US"/>
           </a:p>
@@ -1437,7 +443,7 @@
           <a:p>
             <a:fld id="{D0ED587F-861E-6740-9643-E3DDAE89B8D6}" type="datetimeFigureOut">
               <a:rPr lang="en-US" smtClean="0"/>
-              <a:t>2/19/2023</a:t>
+              <a:t>9/14/2023</a:t>
             </a:fld>
             <a:endParaRPr lang="en-US"/>
           </a:p>
@@ -20300,7 +19306,7 @@
                 <a:cs typeface="Arial"/>
                 <a:sym typeface="Arial"/>
               </a:rPr>
-              <a:t>Lab 07</a:t>
+              <a:t>Lab 07 – be on lab to have your participation points</a:t>
             </a:r>
           </a:p>
           <a:p>
@@ -20378,8 +19384,41 @@
                 <a:cs typeface="Arial"/>
                 <a:sym typeface="Arial"/>
               </a:rPr>
-              <a:t>Lab 08</a:t>
-            </a:r>
+              <a:t>Lab 08 – be on lab to have your </a:t>
+            </a:r>
+            <a:r>
+              <a:rPr kumimoji="0" lang="en-US" sz="2600" b="0" i="0" u="none" strike="noStrike" kern="0" cap="none" spc="0" normalizeH="0" baseline="0" noProof="0">
+                <a:ln>
+                  <a:noFill/>
+                </a:ln>
+                <a:solidFill>
+                  <a:srgbClr val="000000"/>
+                </a:solidFill>
+                <a:effectLst/>
+                <a:uLnTx/>
+                <a:uFillTx/>
+                <a:latin typeface="Arial"/>
+                <a:ea typeface="+mn-ea"/>
+                <a:cs typeface="Arial"/>
+                <a:sym typeface="Arial"/>
+              </a:rPr>
+              <a:t>participation points</a:t>
+            </a:r>
+            <a:endParaRPr kumimoji="0" lang="en-US" sz="2600" b="0" i="0" u="none" strike="noStrike" kern="0" cap="none" spc="0" normalizeH="0" baseline="0" noProof="0" dirty="0">
+              <a:ln>
+                <a:noFill/>
+              </a:ln>
+              <a:solidFill>
+                <a:srgbClr val="000000"/>
+              </a:solidFill>
+              <a:effectLst/>
+              <a:uLnTx/>
+              <a:uFillTx/>
+              <a:latin typeface="Arial"/>
+              <a:ea typeface="+mn-ea"/>
+              <a:cs typeface="Arial"/>
+              <a:sym typeface="Arial"/>
+            </a:endParaRPr>
           </a:p>
           <a:p>
             <a:pPr marL="431797" marR="0" lvl="0" indent="-431797" algn="l" defTabSz="1381750" rtl="0" eaLnBrk="1" fontAlgn="auto" latinLnBrk="0" hangingPunct="1">
@@ -20730,6 +19769,1033 @@
           </a:extLst>
         </p:spPr>
       </p:pic>
+      <p:graphicFrame>
+        <p:nvGraphicFramePr>
+          <p:cNvPr id="6" name="Table 5">
+            <a:extLst>
+              <a:ext uri="{FF2B5EF4-FFF2-40B4-BE49-F238E27FC236}">
+                <a16:creationId xmlns:a16="http://schemas.microsoft.com/office/drawing/2014/main" id="{5E1C54DE-560C-438E-A2A3-9161E643CB98}"/>
+              </a:ext>
+            </a:extLst>
+          </p:cNvPr>
+          <p:cNvGraphicFramePr>
+            <a:graphicFrameLocks noGrp="1"/>
+          </p:cNvGraphicFramePr>
+          <p:nvPr>
+            <p:extLst>
+              <p:ext uri="{D42A27DB-BD31-4B8C-83A1-F6EECF244321}">
+                <p14:modId xmlns:p14="http://schemas.microsoft.com/office/powerpoint/2010/main" val="3280929567"/>
+              </p:ext>
+            </p:extLst>
+          </p:nvPr>
+        </p:nvGraphicFramePr>
+        <p:xfrm>
+          <a:off x="10025176" y="4145454"/>
+          <a:ext cx="3671207" cy="3097098"/>
+        </p:xfrm>
+        <a:graphic>
+          <a:graphicData uri="http://schemas.openxmlformats.org/drawingml/2006/table">
+            <a:tbl>
+              <a:tblPr/>
+              <a:tblGrid>
+                <a:gridCol w="1197995">
+                  <a:extLst>
+                    <a:ext uri="{9D8B030D-6E8A-4147-A177-3AD203B41FA5}">
+                      <a16:colId xmlns:a16="http://schemas.microsoft.com/office/drawing/2014/main" val="3463123554"/>
+                    </a:ext>
+                  </a:extLst>
+                </a:gridCol>
+                <a:gridCol w="2473212">
+                  <a:extLst>
+                    <a:ext uri="{9D8B030D-6E8A-4147-A177-3AD203B41FA5}">
+                      <a16:colId xmlns:a16="http://schemas.microsoft.com/office/drawing/2014/main" val="378576746"/>
+                    </a:ext>
+                  </a:extLst>
+                </a:gridCol>
+              </a:tblGrid>
+              <a:tr h="289830">
+                <a:tc>
+                  <a:txBody>
+                    <a:bodyPr/>
+                    <a:lstStyle/>
+                    <a:p>
+                      <a:pPr algn="l"/>
+                      <a:r>
+                        <a:rPr lang="en-US" sz="1700">
+                          <a:solidFill>
+                            <a:srgbClr val="000000"/>
+                          </a:solidFill>
+                          <a:effectLst/>
+                        </a:rPr>
+                        <a:t>Day</a:t>
+                      </a:r>
+                    </a:p>
+                  </a:txBody>
+                  <a:tcPr marL="15681" marR="15681" marT="15681" marB="15681" anchor="ctr">
+                    <a:lnL w="6350" cap="flat" cmpd="sng" algn="ctr">
+                      <a:solidFill>
+                        <a:srgbClr val="E0E0E0"/>
+                      </a:solidFill>
+                      <a:prstDash val="solid"/>
+                      <a:round/>
+                      <a:headEnd type="none" w="med" len="med"/>
+                      <a:tailEnd type="none" w="med" len="med"/>
+                    </a:lnL>
+                    <a:lnR w="6350" cap="flat" cmpd="sng" algn="ctr">
+                      <a:solidFill>
+                        <a:srgbClr val="E0E0E0"/>
+                      </a:solidFill>
+                      <a:prstDash val="solid"/>
+                      <a:round/>
+                      <a:headEnd type="none" w="med" len="med"/>
+                      <a:tailEnd type="none" w="med" len="med"/>
+                    </a:lnR>
+                    <a:lnT w="6350" cap="flat" cmpd="sng" algn="ctr">
+                      <a:solidFill>
+                        <a:srgbClr val="E0E0E0"/>
+                      </a:solidFill>
+                      <a:prstDash val="solid"/>
+                      <a:round/>
+                      <a:headEnd type="none" w="med" len="med"/>
+                      <a:tailEnd type="none" w="med" len="med"/>
+                    </a:lnT>
+                    <a:lnB w="6350" cap="flat" cmpd="sng" algn="ctr">
+                      <a:solidFill>
+                        <a:srgbClr val="E0E0E0"/>
+                      </a:solidFill>
+                      <a:prstDash val="solid"/>
+                      <a:round/>
+                      <a:headEnd type="none" w="med" len="med"/>
+                      <a:tailEnd type="none" w="med" len="med"/>
+                    </a:lnB>
+                    <a:solidFill>
+                      <a:srgbClr val="F7F7F7"/>
+                    </a:solidFill>
+                  </a:tcPr>
+                </a:tc>
+                <a:tc>
+                  <a:txBody>
+                    <a:bodyPr/>
+                    <a:lstStyle/>
+                    <a:p>
+                      <a:pPr algn="l"/>
+                      <a:r>
+                        <a:rPr lang="en-US" sz="1700" dirty="0">
+                          <a:solidFill>
+                            <a:srgbClr val="000000"/>
+                          </a:solidFill>
+                          <a:effectLst/>
+                        </a:rPr>
+                        <a:t>Time : Room</a:t>
+                      </a:r>
+                    </a:p>
+                  </a:txBody>
+                  <a:tcPr marL="15681" marR="15681" marT="15681" marB="15681" anchor="ctr">
+                    <a:lnL w="6350" cap="flat" cmpd="sng" algn="ctr">
+                      <a:solidFill>
+                        <a:srgbClr val="E0E0E0"/>
+                      </a:solidFill>
+                      <a:prstDash val="solid"/>
+                      <a:round/>
+                      <a:headEnd type="none" w="med" len="med"/>
+                      <a:tailEnd type="none" w="med" len="med"/>
+                    </a:lnL>
+                    <a:lnR w="6350" cap="flat" cmpd="sng" algn="ctr">
+                      <a:solidFill>
+                        <a:srgbClr val="E0E0E0"/>
+                      </a:solidFill>
+                      <a:prstDash val="solid"/>
+                      <a:round/>
+                      <a:headEnd type="none" w="med" len="med"/>
+                      <a:tailEnd type="none" w="med" len="med"/>
+                    </a:lnR>
+                    <a:lnT w="6350" cap="flat" cmpd="sng" algn="ctr">
+                      <a:solidFill>
+                        <a:srgbClr val="E0E0E0"/>
+                      </a:solidFill>
+                      <a:prstDash val="solid"/>
+                      <a:round/>
+                      <a:headEnd type="none" w="med" len="med"/>
+                      <a:tailEnd type="none" w="med" len="med"/>
+                    </a:lnT>
+                    <a:lnB w="6350" cap="flat" cmpd="sng" algn="ctr">
+                      <a:solidFill>
+                        <a:srgbClr val="E0E0E0"/>
+                      </a:solidFill>
+                      <a:prstDash val="solid"/>
+                      <a:round/>
+                      <a:headEnd type="none" w="med" len="med"/>
+                      <a:tailEnd type="none" w="med" len="med"/>
+                    </a:lnB>
+                    <a:solidFill>
+                      <a:srgbClr val="F7F7F7"/>
+                    </a:solidFill>
+                  </a:tcPr>
+                </a:tc>
+                <a:extLst>
+                  <a:ext uri="{0D108BD9-81ED-4DB2-BD59-A6C34878D82A}">
+                    <a16:rowId xmlns:a16="http://schemas.microsoft.com/office/drawing/2014/main" val="3967578678"/>
+                  </a:ext>
+                </a:extLst>
+              </a:tr>
+              <a:tr h="548296">
+                <a:tc>
+                  <a:txBody>
+                    <a:bodyPr/>
+                    <a:lstStyle/>
+                    <a:p>
+                      <a:r>
+                        <a:rPr lang="en-US" sz="1700">
+                          <a:effectLst/>
+                        </a:rPr>
+                        <a:t>Monday</a:t>
+                      </a:r>
+                    </a:p>
+                  </a:txBody>
+                  <a:tcPr marL="15681" marR="15681" marT="15681" marB="15681" anchor="ctr">
+                    <a:lnL w="6350" cap="flat" cmpd="sng" algn="ctr">
+                      <a:solidFill>
+                        <a:srgbClr val="E0E0E0"/>
+                      </a:solidFill>
+                      <a:prstDash val="solid"/>
+                      <a:round/>
+                      <a:headEnd type="none" w="med" len="med"/>
+                      <a:tailEnd type="none" w="med" len="med"/>
+                    </a:lnL>
+                    <a:lnR w="6350" cap="flat" cmpd="sng" algn="ctr">
+                      <a:solidFill>
+                        <a:srgbClr val="E0E0E0"/>
+                      </a:solidFill>
+                      <a:prstDash val="solid"/>
+                      <a:round/>
+                      <a:headEnd type="none" w="med" len="med"/>
+                      <a:tailEnd type="none" w="med" len="med"/>
+                    </a:lnR>
+                    <a:lnT w="6350" cap="flat" cmpd="sng" algn="ctr">
+                      <a:solidFill>
+                        <a:srgbClr val="E0E0E0"/>
+                      </a:solidFill>
+                      <a:prstDash val="solid"/>
+                      <a:round/>
+                      <a:headEnd type="none" w="med" len="med"/>
+                      <a:tailEnd type="none" w="med" len="med"/>
+                    </a:lnT>
+                    <a:lnB w="6350" cap="flat" cmpd="sng" algn="ctr">
+                      <a:solidFill>
+                        <a:srgbClr val="E0E0E0"/>
+                      </a:solidFill>
+                      <a:prstDash val="solid"/>
+                      <a:round/>
+                      <a:headEnd type="none" w="med" len="med"/>
+                      <a:tailEnd type="none" w="med" len="med"/>
+                    </a:lnB>
+                    <a:solidFill>
+                      <a:srgbClr val="FFFFFF"/>
+                    </a:solidFill>
+                  </a:tcPr>
+                </a:tc>
+                <a:tc>
+                  <a:txBody>
+                    <a:bodyPr/>
+                    <a:lstStyle/>
+                    <a:p>
+                      <a:r>
+                        <a:rPr lang="en-US" sz="1700">
+                          <a:effectLst/>
+                        </a:rPr>
+                        <a:t>12 PM - 2 PM : CSB 120</a:t>
+                      </a:r>
+                    </a:p>
+                  </a:txBody>
+                  <a:tcPr marL="15681" marR="15681" marT="15681" marB="15681" anchor="ctr">
+                    <a:lnL w="6350" cap="flat" cmpd="sng" algn="ctr">
+                      <a:solidFill>
+                        <a:srgbClr val="E0E0E0"/>
+                      </a:solidFill>
+                      <a:prstDash val="solid"/>
+                      <a:round/>
+                      <a:headEnd type="none" w="med" len="med"/>
+                      <a:tailEnd type="none" w="med" len="med"/>
+                    </a:lnL>
+                    <a:lnR w="6350" cap="flat" cmpd="sng" algn="ctr">
+                      <a:solidFill>
+                        <a:srgbClr val="E0E0E0"/>
+                      </a:solidFill>
+                      <a:prstDash val="solid"/>
+                      <a:round/>
+                      <a:headEnd type="none" w="med" len="med"/>
+                      <a:tailEnd type="none" w="med" len="med"/>
+                    </a:lnR>
+                    <a:lnT w="6350" cap="flat" cmpd="sng" algn="ctr">
+                      <a:solidFill>
+                        <a:srgbClr val="E0E0E0"/>
+                      </a:solidFill>
+                      <a:prstDash val="solid"/>
+                      <a:round/>
+                      <a:headEnd type="none" w="med" len="med"/>
+                      <a:tailEnd type="none" w="med" len="med"/>
+                    </a:lnT>
+                    <a:lnB w="6350" cap="flat" cmpd="sng" algn="ctr">
+                      <a:solidFill>
+                        <a:srgbClr val="E0E0E0"/>
+                      </a:solidFill>
+                      <a:prstDash val="solid"/>
+                      <a:round/>
+                      <a:headEnd type="none" w="med" len="med"/>
+                      <a:tailEnd type="none" w="med" len="med"/>
+                    </a:lnB>
+                    <a:solidFill>
+                      <a:srgbClr val="FFFFFF"/>
+                    </a:solidFill>
+                  </a:tcPr>
+                </a:tc>
+                <a:extLst>
+                  <a:ext uri="{0D108BD9-81ED-4DB2-BD59-A6C34878D82A}">
+                    <a16:rowId xmlns:a16="http://schemas.microsoft.com/office/drawing/2014/main" val="4272848274"/>
+                  </a:ext>
+                </a:extLst>
+              </a:tr>
+              <a:tr h="289830">
+                <a:tc>
+                  <a:txBody>
+                    <a:bodyPr/>
+                    <a:lstStyle/>
+                    <a:p>
+                      <a:r>
+                        <a:rPr lang="en-US" sz="1700">
+                          <a:effectLst/>
+                        </a:rPr>
+                        <a:t>Tuesday</a:t>
+                      </a:r>
+                    </a:p>
+                  </a:txBody>
+                  <a:tcPr marL="15681" marR="15681" marT="15681" marB="15681" anchor="ctr">
+                    <a:lnL w="6350" cap="flat" cmpd="sng" algn="ctr">
+                      <a:solidFill>
+                        <a:srgbClr val="E0E0E0"/>
+                      </a:solidFill>
+                      <a:prstDash val="solid"/>
+                      <a:round/>
+                      <a:headEnd type="none" w="med" len="med"/>
+                      <a:tailEnd type="none" w="med" len="med"/>
+                    </a:lnL>
+                    <a:lnR w="6350" cap="flat" cmpd="sng" algn="ctr">
+                      <a:solidFill>
+                        <a:srgbClr val="E0E0E0"/>
+                      </a:solidFill>
+                      <a:prstDash val="solid"/>
+                      <a:round/>
+                      <a:headEnd type="none" w="med" len="med"/>
+                      <a:tailEnd type="none" w="med" len="med"/>
+                    </a:lnR>
+                    <a:lnT w="6350" cap="flat" cmpd="sng" algn="ctr">
+                      <a:solidFill>
+                        <a:srgbClr val="E0E0E0"/>
+                      </a:solidFill>
+                      <a:prstDash val="solid"/>
+                      <a:round/>
+                      <a:headEnd type="none" w="med" len="med"/>
+                      <a:tailEnd type="none" w="med" len="med"/>
+                    </a:lnT>
+                    <a:lnB w="6350" cap="flat" cmpd="sng" algn="ctr">
+                      <a:solidFill>
+                        <a:srgbClr val="E0E0E0"/>
+                      </a:solidFill>
+                      <a:prstDash val="solid"/>
+                      <a:round/>
+                      <a:headEnd type="none" w="med" len="med"/>
+                      <a:tailEnd type="none" w="med" len="med"/>
+                    </a:lnB>
+                    <a:solidFill>
+                      <a:srgbClr val="FFFFFF"/>
+                    </a:solidFill>
+                  </a:tcPr>
+                </a:tc>
+                <a:tc>
+                  <a:txBody>
+                    <a:bodyPr/>
+                    <a:lstStyle/>
+                    <a:p>
+                      <a:r>
+                        <a:rPr lang="en-US" sz="1700">
+                          <a:effectLst/>
+                        </a:rPr>
+                        <a:t>6 PM - 8 PM : Teams</a:t>
+                      </a:r>
+                    </a:p>
+                  </a:txBody>
+                  <a:tcPr marL="15681" marR="15681" marT="15681" marB="15681" anchor="ctr">
+                    <a:lnL w="6350" cap="flat" cmpd="sng" algn="ctr">
+                      <a:solidFill>
+                        <a:srgbClr val="E0E0E0"/>
+                      </a:solidFill>
+                      <a:prstDash val="solid"/>
+                      <a:round/>
+                      <a:headEnd type="none" w="med" len="med"/>
+                      <a:tailEnd type="none" w="med" len="med"/>
+                    </a:lnL>
+                    <a:lnR w="6350" cap="flat" cmpd="sng" algn="ctr">
+                      <a:solidFill>
+                        <a:srgbClr val="E0E0E0"/>
+                      </a:solidFill>
+                      <a:prstDash val="solid"/>
+                      <a:round/>
+                      <a:headEnd type="none" w="med" len="med"/>
+                      <a:tailEnd type="none" w="med" len="med"/>
+                    </a:lnR>
+                    <a:lnT w="6350" cap="flat" cmpd="sng" algn="ctr">
+                      <a:solidFill>
+                        <a:srgbClr val="E0E0E0"/>
+                      </a:solidFill>
+                      <a:prstDash val="solid"/>
+                      <a:round/>
+                      <a:headEnd type="none" w="med" len="med"/>
+                      <a:tailEnd type="none" w="med" len="med"/>
+                    </a:lnT>
+                    <a:lnB w="6350" cap="flat" cmpd="sng" algn="ctr">
+                      <a:solidFill>
+                        <a:srgbClr val="E0E0E0"/>
+                      </a:solidFill>
+                      <a:prstDash val="solid"/>
+                      <a:round/>
+                      <a:headEnd type="none" w="med" len="med"/>
+                      <a:tailEnd type="none" w="med" len="med"/>
+                    </a:lnB>
+                    <a:solidFill>
+                      <a:srgbClr val="FFFFFF"/>
+                    </a:solidFill>
+                  </a:tcPr>
+                </a:tc>
+                <a:extLst>
+                  <a:ext uri="{0D108BD9-81ED-4DB2-BD59-A6C34878D82A}">
+                    <a16:rowId xmlns:a16="http://schemas.microsoft.com/office/drawing/2014/main" val="369786881"/>
+                  </a:ext>
+                </a:extLst>
+              </a:tr>
+              <a:tr h="548296">
+                <a:tc>
+                  <a:txBody>
+                    <a:bodyPr/>
+                    <a:lstStyle/>
+                    <a:p>
+                      <a:r>
+                        <a:rPr lang="en-US" sz="1700">
+                          <a:effectLst/>
+                        </a:rPr>
+                        <a:t>Wednesday</a:t>
+                      </a:r>
+                    </a:p>
+                  </a:txBody>
+                  <a:tcPr marL="15681" marR="15681" marT="15681" marB="15681" anchor="ctr">
+                    <a:lnL w="6350" cap="flat" cmpd="sng" algn="ctr">
+                      <a:solidFill>
+                        <a:srgbClr val="E0E0E0"/>
+                      </a:solidFill>
+                      <a:prstDash val="solid"/>
+                      <a:round/>
+                      <a:headEnd type="none" w="med" len="med"/>
+                      <a:tailEnd type="none" w="med" len="med"/>
+                    </a:lnL>
+                    <a:lnR w="6350" cap="flat" cmpd="sng" algn="ctr">
+                      <a:solidFill>
+                        <a:srgbClr val="E0E0E0"/>
+                      </a:solidFill>
+                      <a:prstDash val="solid"/>
+                      <a:round/>
+                      <a:headEnd type="none" w="med" len="med"/>
+                      <a:tailEnd type="none" w="med" len="med"/>
+                    </a:lnR>
+                    <a:lnT w="6350" cap="flat" cmpd="sng" algn="ctr">
+                      <a:solidFill>
+                        <a:srgbClr val="E0E0E0"/>
+                      </a:solidFill>
+                      <a:prstDash val="solid"/>
+                      <a:round/>
+                      <a:headEnd type="none" w="med" len="med"/>
+                      <a:tailEnd type="none" w="med" len="med"/>
+                    </a:lnT>
+                    <a:lnB w="6350" cap="flat" cmpd="sng" algn="ctr">
+                      <a:solidFill>
+                        <a:srgbClr val="E0E0E0"/>
+                      </a:solidFill>
+                      <a:prstDash val="solid"/>
+                      <a:round/>
+                      <a:headEnd type="none" w="med" len="med"/>
+                      <a:tailEnd type="none" w="med" len="med"/>
+                    </a:lnB>
+                    <a:solidFill>
+                      <a:srgbClr val="FFFFFF"/>
+                    </a:solidFill>
+                  </a:tcPr>
+                </a:tc>
+                <a:tc>
+                  <a:txBody>
+                    <a:bodyPr/>
+                    <a:lstStyle/>
+                    <a:p>
+                      <a:r>
+                        <a:rPr lang="en-US" sz="1700">
+                          <a:effectLst/>
+                        </a:rPr>
+                        <a:t>3 PM - 5 PM : CSB 120</a:t>
+                      </a:r>
+                    </a:p>
+                  </a:txBody>
+                  <a:tcPr marL="15681" marR="15681" marT="15681" marB="15681" anchor="ctr">
+                    <a:lnL w="6350" cap="flat" cmpd="sng" algn="ctr">
+                      <a:solidFill>
+                        <a:srgbClr val="E0E0E0"/>
+                      </a:solidFill>
+                      <a:prstDash val="solid"/>
+                      <a:round/>
+                      <a:headEnd type="none" w="med" len="med"/>
+                      <a:tailEnd type="none" w="med" len="med"/>
+                    </a:lnL>
+                    <a:lnR w="6350" cap="flat" cmpd="sng" algn="ctr">
+                      <a:solidFill>
+                        <a:srgbClr val="E0E0E0"/>
+                      </a:solidFill>
+                      <a:prstDash val="solid"/>
+                      <a:round/>
+                      <a:headEnd type="none" w="med" len="med"/>
+                      <a:tailEnd type="none" w="med" len="med"/>
+                    </a:lnR>
+                    <a:lnT w="6350" cap="flat" cmpd="sng" algn="ctr">
+                      <a:solidFill>
+                        <a:srgbClr val="E0E0E0"/>
+                      </a:solidFill>
+                      <a:prstDash val="solid"/>
+                      <a:round/>
+                      <a:headEnd type="none" w="med" len="med"/>
+                      <a:tailEnd type="none" w="med" len="med"/>
+                    </a:lnT>
+                    <a:lnB w="6350" cap="flat" cmpd="sng" algn="ctr">
+                      <a:solidFill>
+                        <a:srgbClr val="E0E0E0"/>
+                      </a:solidFill>
+                      <a:prstDash val="solid"/>
+                      <a:round/>
+                      <a:headEnd type="none" w="med" len="med"/>
+                      <a:tailEnd type="none" w="med" len="med"/>
+                    </a:lnB>
+                    <a:solidFill>
+                      <a:srgbClr val="FFFFFF"/>
+                    </a:solidFill>
+                  </a:tcPr>
+                </a:tc>
+                <a:extLst>
+                  <a:ext uri="{0D108BD9-81ED-4DB2-BD59-A6C34878D82A}">
+                    <a16:rowId xmlns:a16="http://schemas.microsoft.com/office/drawing/2014/main" val="252902362"/>
+                  </a:ext>
+                </a:extLst>
+              </a:tr>
+              <a:tr h="289830">
+                <a:tc>
+                  <a:txBody>
+                    <a:bodyPr/>
+                    <a:lstStyle/>
+                    <a:p>
+                      <a:r>
+                        <a:rPr lang="en-US" sz="1700">
+                          <a:effectLst/>
+                        </a:rPr>
+                        <a:t>Thursday</a:t>
+                      </a:r>
+                    </a:p>
+                  </a:txBody>
+                  <a:tcPr marL="15681" marR="15681" marT="15681" marB="15681" anchor="ctr">
+                    <a:lnL w="6350" cap="flat" cmpd="sng" algn="ctr">
+                      <a:solidFill>
+                        <a:srgbClr val="E0E0E0"/>
+                      </a:solidFill>
+                      <a:prstDash val="solid"/>
+                      <a:round/>
+                      <a:headEnd type="none" w="med" len="med"/>
+                      <a:tailEnd type="none" w="med" len="med"/>
+                    </a:lnL>
+                    <a:lnR w="6350" cap="flat" cmpd="sng" algn="ctr">
+                      <a:solidFill>
+                        <a:srgbClr val="E0E0E0"/>
+                      </a:solidFill>
+                      <a:prstDash val="solid"/>
+                      <a:round/>
+                      <a:headEnd type="none" w="med" len="med"/>
+                      <a:tailEnd type="none" w="med" len="med"/>
+                    </a:lnR>
+                    <a:lnT w="6350" cap="flat" cmpd="sng" algn="ctr">
+                      <a:solidFill>
+                        <a:srgbClr val="E0E0E0"/>
+                      </a:solidFill>
+                      <a:prstDash val="solid"/>
+                      <a:round/>
+                      <a:headEnd type="none" w="med" len="med"/>
+                      <a:tailEnd type="none" w="med" len="med"/>
+                    </a:lnT>
+                    <a:lnB w="6350" cap="flat" cmpd="sng" algn="ctr">
+                      <a:solidFill>
+                        <a:srgbClr val="E0E0E0"/>
+                      </a:solidFill>
+                      <a:prstDash val="solid"/>
+                      <a:round/>
+                      <a:headEnd type="none" w="med" len="med"/>
+                      <a:tailEnd type="none" w="med" len="med"/>
+                    </a:lnB>
+                    <a:solidFill>
+                      <a:srgbClr val="FFFFFF"/>
+                    </a:solidFill>
+                  </a:tcPr>
+                </a:tc>
+                <a:tc>
+                  <a:txBody>
+                    <a:bodyPr/>
+                    <a:lstStyle/>
+                    <a:p>
+                      <a:r>
+                        <a:rPr lang="en-US" sz="1700">
+                          <a:effectLst/>
+                        </a:rPr>
+                        <a:t>6 PM - 8 PM : Teams</a:t>
+                      </a:r>
+                    </a:p>
+                  </a:txBody>
+                  <a:tcPr marL="15681" marR="15681" marT="15681" marB="15681" anchor="ctr">
+                    <a:lnL w="6350" cap="flat" cmpd="sng" algn="ctr">
+                      <a:solidFill>
+                        <a:srgbClr val="E0E0E0"/>
+                      </a:solidFill>
+                      <a:prstDash val="solid"/>
+                      <a:round/>
+                      <a:headEnd type="none" w="med" len="med"/>
+                      <a:tailEnd type="none" w="med" len="med"/>
+                    </a:lnL>
+                    <a:lnR w="6350" cap="flat" cmpd="sng" algn="ctr">
+                      <a:solidFill>
+                        <a:srgbClr val="E0E0E0"/>
+                      </a:solidFill>
+                      <a:prstDash val="solid"/>
+                      <a:round/>
+                      <a:headEnd type="none" w="med" len="med"/>
+                      <a:tailEnd type="none" w="med" len="med"/>
+                    </a:lnR>
+                    <a:lnT w="6350" cap="flat" cmpd="sng" algn="ctr">
+                      <a:solidFill>
+                        <a:srgbClr val="E0E0E0"/>
+                      </a:solidFill>
+                      <a:prstDash val="solid"/>
+                      <a:round/>
+                      <a:headEnd type="none" w="med" len="med"/>
+                      <a:tailEnd type="none" w="med" len="med"/>
+                    </a:lnT>
+                    <a:lnB w="6350" cap="flat" cmpd="sng" algn="ctr">
+                      <a:solidFill>
+                        <a:srgbClr val="E0E0E0"/>
+                      </a:solidFill>
+                      <a:prstDash val="solid"/>
+                      <a:round/>
+                      <a:headEnd type="none" w="med" len="med"/>
+                      <a:tailEnd type="none" w="med" len="med"/>
+                    </a:lnB>
+                    <a:solidFill>
+                      <a:srgbClr val="FFFFFF"/>
+                    </a:solidFill>
+                  </a:tcPr>
+                </a:tc>
+                <a:extLst>
+                  <a:ext uri="{0D108BD9-81ED-4DB2-BD59-A6C34878D82A}">
+                    <a16:rowId xmlns:a16="http://schemas.microsoft.com/office/drawing/2014/main" val="2125508035"/>
+                  </a:ext>
+                </a:extLst>
+              </a:tr>
+              <a:tr h="548296">
+                <a:tc>
+                  <a:txBody>
+                    <a:bodyPr/>
+                    <a:lstStyle/>
+                    <a:p>
+                      <a:r>
+                        <a:rPr lang="en-US" sz="1700">
+                          <a:effectLst/>
+                        </a:rPr>
+                        <a:t>Friday</a:t>
+                      </a:r>
+                    </a:p>
+                  </a:txBody>
+                  <a:tcPr marL="15681" marR="15681" marT="15681" marB="15681" anchor="ctr">
+                    <a:lnL w="6350" cap="flat" cmpd="sng" algn="ctr">
+                      <a:solidFill>
+                        <a:srgbClr val="E0E0E0"/>
+                      </a:solidFill>
+                      <a:prstDash val="solid"/>
+                      <a:round/>
+                      <a:headEnd type="none" w="med" len="med"/>
+                      <a:tailEnd type="none" w="med" len="med"/>
+                    </a:lnL>
+                    <a:lnR w="6350" cap="flat" cmpd="sng" algn="ctr">
+                      <a:solidFill>
+                        <a:srgbClr val="E0E0E0"/>
+                      </a:solidFill>
+                      <a:prstDash val="solid"/>
+                      <a:round/>
+                      <a:headEnd type="none" w="med" len="med"/>
+                      <a:tailEnd type="none" w="med" len="med"/>
+                    </a:lnR>
+                    <a:lnT w="6350" cap="flat" cmpd="sng" algn="ctr">
+                      <a:solidFill>
+                        <a:srgbClr val="E0E0E0"/>
+                      </a:solidFill>
+                      <a:prstDash val="solid"/>
+                      <a:round/>
+                      <a:headEnd type="none" w="med" len="med"/>
+                      <a:tailEnd type="none" w="med" len="med"/>
+                    </a:lnT>
+                    <a:lnB w="6350" cap="flat" cmpd="sng" algn="ctr">
+                      <a:solidFill>
+                        <a:srgbClr val="E0E0E0"/>
+                      </a:solidFill>
+                      <a:prstDash val="solid"/>
+                      <a:round/>
+                      <a:headEnd type="none" w="med" len="med"/>
+                      <a:tailEnd type="none" w="med" len="med"/>
+                    </a:lnB>
+                    <a:solidFill>
+                      <a:srgbClr val="FFFFFF"/>
+                    </a:solidFill>
+                  </a:tcPr>
+                </a:tc>
+                <a:tc>
+                  <a:txBody>
+                    <a:bodyPr/>
+                    <a:lstStyle/>
+                    <a:p>
+                      <a:r>
+                        <a:rPr lang="en-US" sz="1700">
+                          <a:effectLst/>
+                        </a:rPr>
+                        <a:t>3 PM - 5 PM : CSB 120</a:t>
+                      </a:r>
+                    </a:p>
+                  </a:txBody>
+                  <a:tcPr marL="15681" marR="15681" marT="15681" marB="15681" anchor="ctr">
+                    <a:lnL w="6350" cap="flat" cmpd="sng" algn="ctr">
+                      <a:solidFill>
+                        <a:srgbClr val="E0E0E0"/>
+                      </a:solidFill>
+                      <a:prstDash val="solid"/>
+                      <a:round/>
+                      <a:headEnd type="none" w="med" len="med"/>
+                      <a:tailEnd type="none" w="med" len="med"/>
+                    </a:lnL>
+                    <a:lnR w="6350" cap="flat" cmpd="sng" algn="ctr">
+                      <a:solidFill>
+                        <a:srgbClr val="E0E0E0"/>
+                      </a:solidFill>
+                      <a:prstDash val="solid"/>
+                      <a:round/>
+                      <a:headEnd type="none" w="med" len="med"/>
+                      <a:tailEnd type="none" w="med" len="med"/>
+                    </a:lnR>
+                    <a:lnT w="6350" cap="flat" cmpd="sng" algn="ctr">
+                      <a:solidFill>
+                        <a:srgbClr val="E0E0E0"/>
+                      </a:solidFill>
+                      <a:prstDash val="solid"/>
+                      <a:round/>
+                      <a:headEnd type="none" w="med" len="med"/>
+                      <a:tailEnd type="none" w="med" len="med"/>
+                    </a:lnT>
+                    <a:lnB w="6350" cap="flat" cmpd="sng" algn="ctr">
+                      <a:solidFill>
+                        <a:srgbClr val="E0E0E0"/>
+                      </a:solidFill>
+                      <a:prstDash val="solid"/>
+                      <a:round/>
+                      <a:headEnd type="none" w="med" len="med"/>
+                      <a:tailEnd type="none" w="med" len="med"/>
+                    </a:lnB>
+                    <a:solidFill>
+                      <a:srgbClr val="FFFFFF"/>
+                    </a:solidFill>
+                  </a:tcPr>
+                </a:tc>
+                <a:extLst>
+                  <a:ext uri="{0D108BD9-81ED-4DB2-BD59-A6C34878D82A}">
+                    <a16:rowId xmlns:a16="http://schemas.microsoft.com/office/drawing/2014/main" val="772220127"/>
+                  </a:ext>
+                </a:extLst>
+              </a:tr>
+              <a:tr h="289830">
+                <a:tc>
+                  <a:txBody>
+                    <a:bodyPr/>
+                    <a:lstStyle/>
+                    <a:p>
+                      <a:r>
+                        <a:rPr lang="en-US" sz="1700">
+                          <a:effectLst/>
+                        </a:rPr>
+                        <a:t>Saturday</a:t>
+                      </a:r>
+                    </a:p>
+                  </a:txBody>
+                  <a:tcPr marL="15681" marR="15681" marT="15681" marB="15681" anchor="ctr">
+                    <a:lnL w="6350" cap="flat" cmpd="sng" algn="ctr">
+                      <a:solidFill>
+                        <a:srgbClr val="E0E0E0"/>
+                      </a:solidFill>
+                      <a:prstDash val="solid"/>
+                      <a:round/>
+                      <a:headEnd type="none" w="med" len="med"/>
+                      <a:tailEnd type="none" w="med" len="med"/>
+                    </a:lnL>
+                    <a:lnR w="6350" cap="flat" cmpd="sng" algn="ctr">
+                      <a:solidFill>
+                        <a:srgbClr val="E0E0E0"/>
+                      </a:solidFill>
+                      <a:prstDash val="solid"/>
+                      <a:round/>
+                      <a:headEnd type="none" w="med" len="med"/>
+                      <a:tailEnd type="none" w="med" len="med"/>
+                    </a:lnR>
+                    <a:lnT w="6350" cap="flat" cmpd="sng" algn="ctr">
+                      <a:solidFill>
+                        <a:srgbClr val="E0E0E0"/>
+                      </a:solidFill>
+                      <a:prstDash val="solid"/>
+                      <a:round/>
+                      <a:headEnd type="none" w="med" len="med"/>
+                      <a:tailEnd type="none" w="med" len="med"/>
+                    </a:lnT>
+                    <a:lnB w="6350" cap="flat" cmpd="sng" algn="ctr">
+                      <a:solidFill>
+                        <a:srgbClr val="E0E0E0"/>
+                      </a:solidFill>
+                      <a:prstDash val="solid"/>
+                      <a:round/>
+                      <a:headEnd type="none" w="med" len="med"/>
+                      <a:tailEnd type="none" w="med" len="med"/>
+                    </a:lnB>
+                    <a:solidFill>
+                      <a:srgbClr val="FFFFFF"/>
+                    </a:solidFill>
+                  </a:tcPr>
+                </a:tc>
+                <a:tc>
+                  <a:txBody>
+                    <a:bodyPr/>
+                    <a:lstStyle/>
+                    <a:p>
+                      <a:r>
+                        <a:rPr lang="en-US" sz="1700">
+                          <a:effectLst/>
+                        </a:rPr>
+                        <a:t>12 PM - 4 PM : Teams</a:t>
+                      </a:r>
+                    </a:p>
+                  </a:txBody>
+                  <a:tcPr marL="15681" marR="15681" marT="15681" marB="15681" anchor="ctr">
+                    <a:lnL w="6350" cap="flat" cmpd="sng" algn="ctr">
+                      <a:solidFill>
+                        <a:srgbClr val="E0E0E0"/>
+                      </a:solidFill>
+                      <a:prstDash val="solid"/>
+                      <a:round/>
+                      <a:headEnd type="none" w="med" len="med"/>
+                      <a:tailEnd type="none" w="med" len="med"/>
+                    </a:lnL>
+                    <a:lnR w="6350" cap="flat" cmpd="sng" algn="ctr">
+                      <a:solidFill>
+                        <a:srgbClr val="E0E0E0"/>
+                      </a:solidFill>
+                      <a:prstDash val="solid"/>
+                      <a:round/>
+                      <a:headEnd type="none" w="med" len="med"/>
+                      <a:tailEnd type="none" w="med" len="med"/>
+                    </a:lnR>
+                    <a:lnT w="6350" cap="flat" cmpd="sng" algn="ctr">
+                      <a:solidFill>
+                        <a:srgbClr val="E0E0E0"/>
+                      </a:solidFill>
+                      <a:prstDash val="solid"/>
+                      <a:round/>
+                      <a:headEnd type="none" w="med" len="med"/>
+                      <a:tailEnd type="none" w="med" len="med"/>
+                    </a:lnT>
+                    <a:lnB w="6350" cap="flat" cmpd="sng" algn="ctr">
+                      <a:solidFill>
+                        <a:srgbClr val="E0E0E0"/>
+                      </a:solidFill>
+                      <a:prstDash val="solid"/>
+                      <a:round/>
+                      <a:headEnd type="none" w="med" len="med"/>
+                      <a:tailEnd type="none" w="med" len="med"/>
+                    </a:lnB>
+                    <a:solidFill>
+                      <a:srgbClr val="FFFFFF"/>
+                    </a:solidFill>
+                  </a:tcPr>
+                </a:tc>
+                <a:extLst>
+                  <a:ext uri="{0D108BD9-81ED-4DB2-BD59-A6C34878D82A}">
+                    <a16:rowId xmlns:a16="http://schemas.microsoft.com/office/drawing/2014/main" val="3754499503"/>
+                  </a:ext>
+                </a:extLst>
+              </a:tr>
+              <a:tr h="289830">
+                <a:tc>
+                  <a:txBody>
+                    <a:bodyPr/>
+                    <a:lstStyle/>
+                    <a:p>
+                      <a:r>
+                        <a:rPr lang="en-US" sz="1700">
+                          <a:effectLst/>
+                        </a:rPr>
+                        <a:t>Sunday</a:t>
+                      </a:r>
+                    </a:p>
+                  </a:txBody>
+                  <a:tcPr marL="15681" marR="15681" marT="15681" marB="15681" anchor="ctr">
+                    <a:lnL w="6350" cap="flat" cmpd="sng" algn="ctr">
+                      <a:solidFill>
+                        <a:srgbClr val="E0E0E0"/>
+                      </a:solidFill>
+                      <a:prstDash val="solid"/>
+                      <a:round/>
+                      <a:headEnd type="none" w="med" len="med"/>
+                      <a:tailEnd type="none" w="med" len="med"/>
+                    </a:lnL>
+                    <a:lnR w="6350" cap="flat" cmpd="sng" algn="ctr">
+                      <a:solidFill>
+                        <a:srgbClr val="E0E0E0"/>
+                      </a:solidFill>
+                      <a:prstDash val="solid"/>
+                      <a:round/>
+                      <a:headEnd type="none" w="med" len="med"/>
+                      <a:tailEnd type="none" w="med" len="med"/>
+                    </a:lnR>
+                    <a:lnT w="6350" cap="flat" cmpd="sng" algn="ctr">
+                      <a:solidFill>
+                        <a:srgbClr val="E0E0E0"/>
+                      </a:solidFill>
+                      <a:prstDash val="solid"/>
+                      <a:round/>
+                      <a:headEnd type="none" w="med" len="med"/>
+                      <a:tailEnd type="none" w="med" len="med"/>
+                    </a:lnT>
+                    <a:lnB w="6350" cap="flat" cmpd="sng" algn="ctr">
+                      <a:solidFill>
+                        <a:srgbClr val="E0E0E0"/>
+                      </a:solidFill>
+                      <a:prstDash val="solid"/>
+                      <a:round/>
+                      <a:headEnd type="none" w="med" len="med"/>
+                      <a:tailEnd type="none" w="med" len="med"/>
+                    </a:lnB>
+                    <a:solidFill>
+                      <a:srgbClr val="FFFFFF"/>
+                    </a:solidFill>
+                  </a:tcPr>
+                </a:tc>
+                <a:tc>
+                  <a:txBody>
+                    <a:bodyPr/>
+                    <a:lstStyle/>
+                    <a:p>
+                      <a:r>
+                        <a:rPr lang="en-US" sz="1700" dirty="0">
+                          <a:effectLst/>
+                        </a:rPr>
+                        <a:t>12 PM - 4 PM : Teams</a:t>
+                      </a:r>
+                    </a:p>
+                  </a:txBody>
+                  <a:tcPr marL="15681" marR="15681" marT="15681" marB="15681" anchor="ctr">
+                    <a:lnL w="6350" cap="flat" cmpd="sng" algn="ctr">
+                      <a:solidFill>
+                        <a:srgbClr val="E0E0E0"/>
+                      </a:solidFill>
+                      <a:prstDash val="solid"/>
+                      <a:round/>
+                      <a:headEnd type="none" w="med" len="med"/>
+                      <a:tailEnd type="none" w="med" len="med"/>
+                    </a:lnL>
+                    <a:lnR w="6350" cap="flat" cmpd="sng" algn="ctr">
+                      <a:solidFill>
+                        <a:srgbClr val="E0E0E0"/>
+                      </a:solidFill>
+                      <a:prstDash val="solid"/>
+                      <a:round/>
+                      <a:headEnd type="none" w="med" len="med"/>
+                      <a:tailEnd type="none" w="med" len="med"/>
+                    </a:lnR>
+                    <a:lnT w="6350" cap="flat" cmpd="sng" algn="ctr">
+                      <a:solidFill>
+                        <a:srgbClr val="E0E0E0"/>
+                      </a:solidFill>
+                      <a:prstDash val="solid"/>
+                      <a:round/>
+                      <a:headEnd type="none" w="med" len="med"/>
+                      <a:tailEnd type="none" w="med" len="med"/>
+                    </a:lnT>
+                    <a:lnB w="6350" cap="flat" cmpd="sng" algn="ctr">
+                      <a:solidFill>
+                        <a:srgbClr val="E0E0E0"/>
+                      </a:solidFill>
+                      <a:prstDash val="solid"/>
+                      <a:round/>
+                      <a:headEnd type="none" w="med" len="med"/>
+                      <a:tailEnd type="none" w="med" len="med"/>
+                    </a:lnB>
+                    <a:solidFill>
+                      <a:srgbClr val="FFFFFF"/>
+                    </a:solidFill>
+                  </a:tcPr>
+                </a:tc>
+                <a:extLst>
+                  <a:ext uri="{0D108BD9-81ED-4DB2-BD59-A6C34878D82A}">
+                    <a16:rowId xmlns:a16="http://schemas.microsoft.com/office/drawing/2014/main" val="1778919050"/>
+                  </a:ext>
+                </a:extLst>
+              </a:tr>
+            </a:tbl>
+          </a:graphicData>
+        </a:graphic>
+      </p:graphicFrame>
+      <p:sp>
+        <p:nvSpPr>
+          <p:cNvPr id="8" name="TextBox 7">
+            <a:extLst>
+              <a:ext uri="{FF2B5EF4-FFF2-40B4-BE49-F238E27FC236}">
+                <a16:creationId xmlns:a16="http://schemas.microsoft.com/office/drawing/2014/main" id="{7B43A882-9B17-4B46-BBC6-9556AA47AD06}"/>
+              </a:ext>
+            </a:extLst>
+          </p:cNvPr>
+          <p:cNvSpPr txBox="1"/>
+          <p:nvPr/>
+        </p:nvSpPr>
+        <p:spPr>
+          <a:xfrm flipH="1">
+            <a:off x="9976198" y="3686145"/>
+            <a:ext cx="2444933" cy="400110"/>
+          </a:xfrm>
+          <a:prstGeom prst="rect">
+            <a:avLst/>
+          </a:prstGeom>
+          <a:noFill/>
+        </p:spPr>
+        <p:txBody>
+          <a:bodyPr wrap="square" rtlCol="0">
+            <a:spAutoFit/>
+          </a:bodyPr>
+          <a:lstStyle/>
+          <a:p>
+            <a:r>
+              <a:rPr lang="en-US" dirty="0"/>
+              <a:t>Help Desk</a:t>
+            </a:r>
+          </a:p>
+        </p:txBody>
+      </p:sp>
     </p:spTree>
     <p:extLst>
       <p:ext uri="{BB962C8B-B14F-4D97-AF65-F5344CB8AC3E}">
@@ -28858,14 +28924,14 @@
 <file path=customXml/itemProps2.xml><?xml version="1.0" encoding="utf-8"?>
 <ds:datastoreItem xmlns:ds="http://schemas.openxmlformats.org/officeDocument/2006/customXml" ds:itemID="{289E4415-EA9D-46A1-9448-A3EFD7E4D14B}">
   <ds:schemaRefs>
+    <ds:schemaRef ds:uri="http://schemas.microsoft.com/office/infopath/2007/PartnerControls"/>
     <ds:schemaRef ds:uri="http://schemas.microsoft.com/office/2006/metadata/properties"/>
-    <ds:schemaRef ds:uri="e06ed288-fd75-4b50-bbed-f5a5df88c31c"/>
-    <ds:schemaRef ds:uri="http://schemas.openxmlformats.org/package/2006/metadata/core-properties"/>
     <ds:schemaRef ds:uri="http://www.w3.org/XML/1998/namespace"/>
     <ds:schemaRef ds:uri="http://schemas.microsoft.com/office/2006/documentManagement/types"/>
+    <ds:schemaRef ds:uri="http://schemas.openxmlformats.org/package/2006/metadata/core-properties"/>
     <ds:schemaRef ds:uri="http://purl.org/dc/elements/1.1/"/>
+    <ds:schemaRef ds:uri="e06ed288-fd75-4b50-bbed-f5a5df88c31c"/>
     <ds:schemaRef ds:uri="http://purl.org/dc/terms/"/>
-    <ds:schemaRef ds:uri="http://schemas.microsoft.com/office/infopath/2007/PartnerControls"/>
     <ds:schemaRef ds:uri="92c41bee-f0ee-4aa6-9399-a35fbb883510"/>
     <ds:schemaRef ds:uri="http://purl.org/dc/dcmitype/"/>
   </ds:schemaRefs>

--- a/slides/On-Campus/06_01_ArrayList.pptx
+++ b/slides/On-Campus/06_01_ArrayList.pptx
@@ -154,36 +154,20 @@
     <pc:chgData name="Marcia Moraes" userId="c9c67e8a-58e2-4733-9a1c-5d44fec4775b" providerId="ADAL" clId="{4885118A-F795-4C30-92AD-AD6E1D9AA740}"/>
   </pc:docChgLst>
   <pc:docChgLst>
-    <pc:chgData name="Marcia Moraes" userId="c9c67e8a-58e2-4733-9a1c-5d44fec4775b" providerId="ADAL" clId="{8E46630C-54A6-418B-9064-CA4028C49575}"/>
-    <pc:docChg chg="custSel modSld">
-      <pc:chgData name="Marcia Moraes" userId="c9c67e8a-58e2-4733-9a1c-5d44fec4775b" providerId="ADAL" clId="{8E46630C-54A6-418B-9064-CA4028C49575}" dt="2023-09-14T14:00:27.200" v="95" actId="1076"/>
+    <pc:chgData name="Marcia Moraes" userId="c9c67e8a-58e2-4733-9a1c-5d44fec4775b" providerId="ADAL" clId="{2C9F7626-42D4-416D-9968-06491FDF8972}"/>
+    <pc:docChg chg="modSld">
+      <pc:chgData name="Marcia Moraes" userId="c9c67e8a-58e2-4733-9a1c-5d44fec4775b" providerId="ADAL" clId="{2C9F7626-42D4-416D-9968-06491FDF8972}" dt="2024-02-16T17:27:26.935" v="1" actId="20577"/>
       <pc:docMkLst>
         <pc:docMk/>
       </pc:docMkLst>
-      <pc:sldChg chg="addSp modSp">
-        <pc:chgData name="Marcia Moraes" userId="c9c67e8a-58e2-4733-9a1c-5d44fec4775b" providerId="ADAL" clId="{8E46630C-54A6-418B-9064-CA4028C49575}" dt="2023-09-14T14:00:27.200" v="95" actId="1076"/>
+      <pc:sldChg chg="modSp">
+        <pc:chgData name="Marcia Moraes" userId="c9c67e8a-58e2-4733-9a1c-5d44fec4775b" providerId="ADAL" clId="{2C9F7626-42D4-416D-9968-06491FDF8972}" dt="2024-02-16T17:27:26.935" v="1" actId="20577"/>
         <pc:sldMkLst>
           <pc:docMk/>
           <pc:sldMk cId="2019265180" sldId="268"/>
         </pc:sldMkLst>
-        <pc:spChg chg="mod">
-          <ac:chgData name="Marcia Moraes" userId="c9c67e8a-58e2-4733-9a1c-5d44fec4775b" providerId="ADAL" clId="{8E46630C-54A6-418B-9064-CA4028C49575}" dt="2023-09-14T13:39:06.431" v="93" actId="20577"/>
-          <ac:spMkLst>
-            <pc:docMk/>
-            <pc:sldMk cId="2019265180" sldId="268"/>
-            <ac:spMk id="7" creationId="{900B76C7-4821-426C-9C80-6ADC6DD0EA77}"/>
-          </ac:spMkLst>
-        </pc:spChg>
-        <pc:spChg chg="add mod">
-          <ac:chgData name="Marcia Moraes" userId="c9c67e8a-58e2-4733-9a1c-5d44fec4775b" providerId="ADAL" clId="{8E46630C-54A6-418B-9064-CA4028C49575}" dt="2023-09-14T14:00:27.200" v="95" actId="1076"/>
-          <ac:spMkLst>
-            <pc:docMk/>
-            <pc:sldMk cId="2019265180" sldId="268"/>
-            <ac:spMk id="8" creationId="{7B43A882-9B17-4B46-BBC6-9556AA47AD06}"/>
-          </ac:spMkLst>
-        </pc:spChg>
-        <pc:graphicFrameChg chg="add mod">
-          <ac:chgData name="Marcia Moraes" userId="c9c67e8a-58e2-4733-9a1c-5d44fec4775b" providerId="ADAL" clId="{8E46630C-54A6-418B-9064-CA4028C49575}" dt="2023-09-14T14:00:27.200" v="95" actId="1076"/>
+        <pc:graphicFrameChg chg="modGraphic">
+          <ac:chgData name="Marcia Moraes" userId="c9c67e8a-58e2-4733-9a1c-5d44fec4775b" providerId="ADAL" clId="{2C9F7626-42D4-416D-9968-06491FDF8972}" dt="2024-02-16T17:27:26.935" v="1" actId="20577"/>
           <ac:graphicFrameMkLst>
             <pc:docMk/>
             <pc:sldMk cId="2019265180" sldId="268"/>
@@ -192,6 +176,9 @@
         </pc:graphicFrameChg>
       </pc:sldChg>
     </pc:docChg>
+  </pc:docChgLst>
+  <pc:docChgLst>
+    <pc:chgData name="Marcia Moraes" userId="c9c67e8a-58e2-4733-9a1c-5d44fec4775b" providerId="ADAL" clId="{8E46630C-54A6-418B-9064-CA4028C49575}"/>
   </pc:docChgLst>
 </pc:chgInfo>
 </file>
@@ -278,7 +265,7 @@
           <a:p>
             <a:fld id="{4D7E51A5-B478-1E40-8CBB-0DAA8831E99D}" type="datetimeFigureOut">
               <a:rPr lang="en-US" smtClean="0"/>
-              <a:t>9/14/2023</a:t>
+              <a:t>2/16/2024</a:t>
             </a:fld>
             <a:endParaRPr lang="en-US"/>
           </a:p>
@@ -443,7 +430,7 @@
           <a:p>
             <a:fld id="{D0ED587F-861E-6740-9643-E3DDAE89B8D6}" type="datetimeFigureOut">
               <a:rPr lang="en-US" smtClean="0"/>
-              <a:t>9/14/2023</a:t>
+              <a:t>2/16/2024</a:t>
             </a:fld>
             <a:endParaRPr lang="en-US"/>
           </a:p>
@@ -19784,7 +19771,7 @@
           <p:nvPr>
             <p:extLst>
               <p:ext uri="{D42A27DB-BD31-4B8C-83A1-F6EECF244321}">
-                <p14:modId xmlns:p14="http://schemas.microsoft.com/office/powerpoint/2010/main" val="3280929567"/>
+                <p14:modId xmlns:p14="http://schemas.microsoft.com/office/powerpoint/2010/main" val="695591432"/>
               </p:ext>
             </p:extLst>
           </p:nvPr>
@@ -20000,10 +19987,22 @@
                     <a:lstStyle/>
                     <a:p>
                       <a:r>
+                        <a:rPr lang="en-US" sz="1700" dirty="0">
+                          <a:effectLst/>
+                        </a:rPr>
+                        <a:t>3 PM </a:t>
+                      </a:r>
+                      <a:r>
                         <a:rPr lang="en-US" sz="1700">
                           <a:effectLst/>
                         </a:rPr>
-                        <a:t>12 PM - 2 PM : CSB 120</a:t>
+                        <a:t>- 5 </a:t>
+                      </a:r>
+                      <a:r>
+                        <a:rPr lang="en-US" sz="1700" dirty="0">
+                          <a:effectLst/>
+                        </a:rPr>
+                        <a:t>PM : CSB 120</a:t>
                       </a:r>
                     </a:p>
                   </a:txBody>
@@ -28651,6 +28650,14 @@
 </file>
 
 <file path=customXml/item1.xml><?xml version="1.0" encoding="utf-8"?>
+<p:properties xmlns:p="http://schemas.microsoft.com/office/2006/metadata/properties" xmlns:xsi="http://www.w3.org/2001/XMLSchema-instance" xmlns:pc="http://schemas.microsoft.com/office/infopath/2007/PartnerControls">
+  <documentManagement>
+    <_activity xmlns="92c41bee-f0ee-4aa6-9399-a35fbb883510" xsi:nil="true"/>
+  </documentManagement>
+</p:properties>
+</file>
+
+<file path=customXml/item2.xml><?xml version="1.0" encoding="utf-8"?>
 <ct:contentTypeSchema xmlns:ct="http://schemas.microsoft.com/office/2006/metadata/contentType" xmlns:ma="http://schemas.microsoft.com/office/2006/metadata/properties/metaAttributes" ct:_="" ma:_="" ma:contentTypeName="Document" ma:contentTypeID="0x010100074387D78AC76C4289401EF66FB51FCC" ma:contentTypeVersion="15" ma:contentTypeDescription="Create a new document." ma:contentTypeScope="" ma:versionID="d3659bec8b8330148a03d82a9d99f412">
   <xsd:schema xmlns:xsd="http://www.w3.org/2001/XMLSchema" xmlns:xs="http://www.w3.org/2001/XMLSchema" xmlns:p="http://schemas.microsoft.com/office/2006/metadata/properties" xmlns:ns3="92c41bee-f0ee-4aa6-9399-a35fbb883510" xmlns:ns4="e06ed288-fd75-4b50-bbed-f5a5df88c31c" targetNamespace="http://schemas.microsoft.com/office/2006/metadata/properties" ma:root="true" ma:fieldsID="1a21d371127b63848c9a2290f5945250" ns3:_="" ns4:_="">
     <xsd:import namespace="92c41bee-f0ee-4aa6-9399-a35fbb883510"/>
@@ -28885,14 +28892,6 @@
 </ct:contentTypeSchema>
 </file>
 
-<file path=customXml/item2.xml><?xml version="1.0" encoding="utf-8"?>
-<p:properties xmlns:p="http://schemas.microsoft.com/office/2006/metadata/properties" xmlns:xsi="http://www.w3.org/2001/XMLSchema-instance" xmlns:pc="http://schemas.microsoft.com/office/infopath/2007/PartnerControls">
-  <documentManagement>
-    <_activity xmlns="92c41bee-f0ee-4aa6-9399-a35fbb883510" xsi:nil="true"/>
-  </documentManagement>
-</p:properties>
-</file>
-
 <file path=customXml/item3.xml><?xml version="1.0" encoding="utf-8"?>
 <?mso-contentType ?>
 <FormTemplates xmlns="http://schemas.microsoft.com/sharepoint/v3/contenttype/forms">
@@ -28903,6 +28902,23 @@
 </file>
 
 <file path=customXml/itemProps1.xml><?xml version="1.0" encoding="utf-8"?>
+<ds:datastoreItem xmlns:ds="http://schemas.openxmlformats.org/officeDocument/2006/customXml" ds:itemID="{289E4415-EA9D-46A1-9448-A3EFD7E4D14B}">
+  <ds:schemaRefs>
+    <ds:schemaRef ds:uri="http://purl.org/dc/dcmitype/"/>
+    <ds:schemaRef ds:uri="http://schemas.microsoft.com/office/2006/documentManagement/types"/>
+    <ds:schemaRef ds:uri="http://purl.org/dc/terms/"/>
+    <ds:schemaRef ds:uri="http://schemas.openxmlformats.org/package/2006/metadata/core-properties"/>
+    <ds:schemaRef ds:uri="http://www.w3.org/XML/1998/namespace"/>
+    <ds:schemaRef ds:uri="http://schemas.microsoft.com/office/infopath/2007/PartnerControls"/>
+    <ds:schemaRef ds:uri="http://schemas.microsoft.com/office/2006/metadata/properties"/>
+    <ds:schemaRef ds:uri="e06ed288-fd75-4b50-bbed-f5a5df88c31c"/>
+    <ds:schemaRef ds:uri="92c41bee-f0ee-4aa6-9399-a35fbb883510"/>
+    <ds:schemaRef ds:uri="http://purl.org/dc/elements/1.1/"/>
+  </ds:schemaRefs>
+</ds:datastoreItem>
+</file>
+
+<file path=customXml/itemProps2.xml><?xml version="1.0" encoding="utf-8"?>
 <ds:datastoreItem xmlns:ds="http://schemas.openxmlformats.org/officeDocument/2006/customXml" ds:itemID="{97CB2129-0A7B-4EF7-8731-C7F93CDE1D6A}">
   <ds:schemaRefs>
     <ds:schemaRef ds:uri="http://schemas.microsoft.com/office/2006/metadata/contentType"/>
@@ -28921,23 +28937,6 @@
 </ds:datastoreItem>
 </file>
 
-<file path=customXml/itemProps2.xml><?xml version="1.0" encoding="utf-8"?>
-<ds:datastoreItem xmlns:ds="http://schemas.openxmlformats.org/officeDocument/2006/customXml" ds:itemID="{289E4415-EA9D-46A1-9448-A3EFD7E4D14B}">
-  <ds:schemaRefs>
-    <ds:schemaRef ds:uri="http://schemas.microsoft.com/office/infopath/2007/PartnerControls"/>
-    <ds:schemaRef ds:uri="http://schemas.microsoft.com/office/2006/metadata/properties"/>
-    <ds:schemaRef ds:uri="http://www.w3.org/XML/1998/namespace"/>
-    <ds:schemaRef ds:uri="http://schemas.microsoft.com/office/2006/documentManagement/types"/>
-    <ds:schemaRef ds:uri="http://schemas.openxmlformats.org/package/2006/metadata/core-properties"/>
-    <ds:schemaRef ds:uri="http://purl.org/dc/elements/1.1/"/>
-    <ds:schemaRef ds:uri="e06ed288-fd75-4b50-bbed-f5a5df88c31c"/>
-    <ds:schemaRef ds:uri="http://purl.org/dc/terms/"/>
-    <ds:schemaRef ds:uri="92c41bee-f0ee-4aa6-9399-a35fbb883510"/>
-    <ds:schemaRef ds:uri="http://purl.org/dc/dcmitype/"/>
-  </ds:schemaRefs>
-</ds:datastoreItem>
-</file>
-
 <file path=customXml/itemProps3.xml><?xml version="1.0" encoding="utf-8"?>
 <ds:datastoreItem xmlns:ds="http://schemas.openxmlformats.org/officeDocument/2006/customXml" ds:itemID="{A6AC7CE2-1513-4B1F-81F3-5AC6F661B655}">
   <ds:schemaRefs>
